--- a/docpac_32270423/Weekly Review.pptx
+++ b/docpac_32270423/Weekly Review.pptx
@@ -6,11 +6,10 @@
   </p:sldMasterIdLst>
   <p:sldIdLst>
     <p:sldId id="256" r:id="rId2"/>
-    <p:sldId id="257" r:id="rId3"/>
-    <p:sldId id="258" r:id="rId4"/>
-    <p:sldId id="259" r:id="rId5"/>
-    <p:sldId id="260" r:id="rId6"/>
-    <p:sldId id="261" r:id="rId7"/>
+    <p:sldId id="259" r:id="rId3"/>
+    <p:sldId id="260" r:id="rId4"/>
+    <p:sldId id="262" r:id="rId5"/>
+    <p:sldId id="263" r:id="rId6"/>
   </p:sldIdLst>
   <p:sldSz cx="12192000" cy="6858000"/>
   <p:notesSz cx="6858000" cy="9144000"/>
@@ -527,7 +526,7 @@
           <a:p>
             <a:fld id="{5FE97E66-812A-4864-A707-4D377C761408}" type="datetimeFigureOut">
               <a:rPr lang="en-US" smtClean="0"/>
-              <a:t>4/24/2023</a:t>
+              <a:t>5/1/2023</a:t>
             </a:fld>
             <a:endParaRPr lang="en-US"/>
           </a:p>
@@ -725,7 +724,7 @@
           <a:p>
             <a:fld id="{5FE97E66-812A-4864-A707-4D377C761408}" type="datetimeFigureOut">
               <a:rPr lang="en-US" smtClean="0"/>
-              <a:t>4/24/2023</a:t>
+              <a:t>5/1/2023</a:t>
             </a:fld>
             <a:endParaRPr lang="en-US"/>
           </a:p>
@@ -933,7 +932,7 @@
           <a:p>
             <a:fld id="{5FE97E66-812A-4864-A707-4D377C761408}" type="datetimeFigureOut">
               <a:rPr lang="en-US" smtClean="0"/>
-              <a:t>4/24/2023</a:t>
+              <a:t>5/1/2023</a:t>
             </a:fld>
             <a:endParaRPr lang="en-US"/>
           </a:p>
@@ -1131,7 +1130,7 @@
           <a:p>
             <a:fld id="{5FE97E66-812A-4864-A707-4D377C761408}" type="datetimeFigureOut">
               <a:rPr lang="en-US" smtClean="0"/>
-              <a:t>4/24/2023</a:t>
+              <a:t>5/1/2023</a:t>
             </a:fld>
             <a:endParaRPr lang="en-US"/>
           </a:p>
@@ -1406,7 +1405,7 @@
           <a:p>
             <a:fld id="{5FE97E66-812A-4864-A707-4D377C761408}" type="datetimeFigureOut">
               <a:rPr lang="en-US" smtClean="0"/>
-              <a:t>4/24/2023</a:t>
+              <a:t>5/1/2023</a:t>
             </a:fld>
             <a:endParaRPr lang="en-US"/>
           </a:p>
@@ -1671,7 +1670,7 @@
           <a:p>
             <a:fld id="{5FE97E66-812A-4864-A707-4D377C761408}" type="datetimeFigureOut">
               <a:rPr lang="en-US" smtClean="0"/>
-              <a:t>4/24/2023</a:t>
+              <a:t>5/1/2023</a:t>
             </a:fld>
             <a:endParaRPr lang="en-US"/>
           </a:p>
@@ -2083,7 +2082,7 @@
           <a:p>
             <a:fld id="{5FE97E66-812A-4864-A707-4D377C761408}" type="datetimeFigureOut">
               <a:rPr lang="en-US" smtClean="0"/>
-              <a:t>4/24/2023</a:t>
+              <a:t>5/1/2023</a:t>
             </a:fld>
             <a:endParaRPr lang="en-US"/>
           </a:p>
@@ -2224,7 +2223,7 @@
           <a:p>
             <a:fld id="{5FE97E66-812A-4864-A707-4D377C761408}" type="datetimeFigureOut">
               <a:rPr lang="en-US" smtClean="0"/>
-              <a:t>4/24/2023</a:t>
+              <a:t>5/1/2023</a:t>
             </a:fld>
             <a:endParaRPr lang="en-US"/>
           </a:p>
@@ -2337,7 +2336,7 @@
           <a:p>
             <a:fld id="{5FE97E66-812A-4864-A707-4D377C761408}" type="datetimeFigureOut">
               <a:rPr lang="en-US" smtClean="0"/>
-              <a:t>4/24/2023</a:t>
+              <a:t>5/1/2023</a:t>
             </a:fld>
             <a:endParaRPr lang="en-US"/>
           </a:p>
@@ -2648,7 +2647,7 @@
           <a:p>
             <a:fld id="{5FE97E66-812A-4864-A707-4D377C761408}" type="datetimeFigureOut">
               <a:rPr lang="en-US" smtClean="0"/>
-              <a:t>4/24/2023</a:t>
+              <a:t>5/1/2023</a:t>
             </a:fld>
             <a:endParaRPr lang="en-US"/>
           </a:p>
@@ -2936,7 +2935,7 @@
           <a:p>
             <a:fld id="{5FE97E66-812A-4864-A707-4D377C761408}" type="datetimeFigureOut">
               <a:rPr lang="en-US" smtClean="0"/>
-              <a:t>4/24/2023</a:t>
+              <a:t>5/1/2023</a:t>
             </a:fld>
             <a:endParaRPr lang="en-US"/>
           </a:p>
@@ -3177,7 +3176,7 @@
           <a:p>
             <a:fld id="{5FE97E66-812A-4864-A707-4D377C761408}" type="datetimeFigureOut">
               <a:rPr lang="en-US" smtClean="0"/>
-              <a:t>4/24/2023</a:t>
+              <a:t>5/1/2023</a:t>
             </a:fld>
             <a:endParaRPr lang="en-US"/>
           </a:p>
@@ -3682,7 +3681,7 @@
           <p:cNvPr id="2" name="Title 1">
             <a:extLst>
               <a:ext uri="{FF2B5EF4-FFF2-40B4-BE49-F238E27FC236}">
-                <a16:creationId xmlns:a16="http://schemas.microsoft.com/office/drawing/2014/main" id="{9E1C6F0B-6D59-4E82-BC1E-FAE3E231E10B}"/>
+                <a16:creationId xmlns:a16="http://schemas.microsoft.com/office/drawing/2014/main" id="{B272DFCF-49AA-48A0-92CE-8A1BECD03EC4}"/>
               </a:ext>
             </a:extLst>
           </p:cNvPr>
@@ -3700,1119 +3699,7 @@
           <a:p>
             <a:r>
               <a:rPr lang="en-US" dirty="0"/>
-              <a:t>Duolingo</a:t>
-            </a:r>
-          </a:p>
-        </p:txBody>
-      </p:sp>
-      <p:sp>
-        <p:nvSpPr>
-          <p:cNvPr id="3" name="Content Placeholder 2">
-            <a:extLst>
-              <a:ext uri="{FF2B5EF4-FFF2-40B4-BE49-F238E27FC236}">
-                <a16:creationId xmlns:a16="http://schemas.microsoft.com/office/drawing/2014/main" id="{FEFCBC1E-8A93-4539-A269-A0463651A5B3}"/>
-              </a:ext>
-            </a:extLst>
-          </p:cNvPr>
-          <p:cNvSpPr>
-            <a:spLocks noGrp="1"/>
-          </p:cNvSpPr>
-          <p:nvPr>
-            <p:ph idx="1"/>
-          </p:nvPr>
-        </p:nvSpPr>
-        <p:spPr/>
-        <p:txBody>
-          <a:bodyPr>
-            <a:normAutofit lnSpcReduction="10000"/>
-          </a:bodyPr>
-          <a:lstStyle/>
-          <a:p>
-            <a:r>
-              <a:rPr lang="en-US" dirty="0"/>
-              <a:t>I’m getting really tired of this so this is the last one</a:t>
-            </a:r>
-          </a:p>
-          <a:p>
-            <a:r>
-              <a:rPr lang="en-US" dirty="0"/>
-              <a:t>Logan Danner – 131 days and completed friends quest</a:t>
-            </a:r>
-          </a:p>
-          <a:p>
-            <a:r>
-              <a:rPr lang="en-US" dirty="0"/>
-              <a:t>Alex Plitt – 195 days</a:t>
-            </a:r>
-          </a:p>
-          <a:p>
-            <a:r>
-              <a:rPr lang="en-US" dirty="0"/>
-              <a:t>Logan Cruz – 216 days</a:t>
-            </a:r>
-          </a:p>
-          <a:p>
-            <a:r>
-              <a:rPr lang="en-US" dirty="0"/>
-              <a:t>Tyler </a:t>
-            </a:r>
-            <a:r>
-              <a:rPr lang="en-US" dirty="0" err="1"/>
-              <a:t>Siegmund</a:t>
-            </a:r>
-            <a:r>
-              <a:rPr lang="en-US" dirty="0"/>
-              <a:t> – 185 days</a:t>
-            </a:r>
-          </a:p>
-          <a:p>
-            <a:r>
-              <a:rPr lang="en-US" dirty="0"/>
-              <a:t>Xavier Matheson – 177 days</a:t>
-            </a:r>
-          </a:p>
-          <a:p>
-            <a:r>
-              <a:rPr lang="en-US" dirty="0"/>
-              <a:t>Of 14 currents and former students, 5 are still doing </a:t>
-            </a:r>
-            <a:r>
-              <a:rPr lang="en-US" dirty="0" err="1"/>
-              <a:t>duolingo</a:t>
-            </a:r>
-            <a:endParaRPr lang="en-US" dirty="0"/>
-          </a:p>
-          <a:p>
-            <a:r>
-              <a:rPr lang="en-US" dirty="0"/>
-              <a:t>Bilingualism (especially Spanish) is a major resume piece, and can earn you raises for doing the same job</a:t>
-            </a:r>
-          </a:p>
-        </p:txBody>
-      </p:sp>
-    </p:spTree>
-    <p:extLst>
-      <p:ext uri="{BB962C8B-B14F-4D97-AF65-F5344CB8AC3E}">
-        <p14:creationId xmlns:p14="http://schemas.microsoft.com/office/powerpoint/2010/main" val="659485879"/>
-      </p:ext>
-    </p:extLst>
-  </p:cSld>
-  <p:clrMapOvr>
-    <a:masterClrMapping/>
-  </p:clrMapOvr>
-  <p:timing>
-    <p:tnLst>
-      <p:par>
-        <p:cTn id="1" dur="indefinite" restart="never" nodeType="tmRoot">
-          <p:childTnLst>
-            <p:seq concurrent="1" nextAc="seek">
-              <p:cTn id="2" dur="indefinite" nodeType="mainSeq">
-                <p:childTnLst>
-                  <p:par>
-                    <p:cTn id="3" fill="hold">
-                      <p:stCondLst>
-                        <p:cond delay="indefinite"/>
-                      </p:stCondLst>
-                      <p:childTnLst>
-                        <p:par>
-                          <p:cTn id="4" fill="hold">
-                            <p:stCondLst>
-                              <p:cond delay="0"/>
-                            </p:stCondLst>
-                            <p:childTnLst>
-                              <p:par>
-                                <p:cTn id="5" presetID="1" presetClass="entr" presetSubtype="0" fill="hold" grpId="0" nodeType="clickEffect">
-                                  <p:stCondLst>
-                                    <p:cond delay="0"/>
-                                  </p:stCondLst>
-                                  <p:childTnLst>
-                                    <p:set>
-                                      <p:cBhvr>
-                                        <p:cTn id="6" dur="1" fill="hold">
-                                          <p:stCondLst>
-                                            <p:cond delay="0"/>
-                                          </p:stCondLst>
-                                        </p:cTn>
-                                        <p:tgtEl>
-                                          <p:spTgt spid="3">
-                                            <p:txEl>
-                                              <p:pRg st="0" end="0"/>
-                                            </p:txEl>
-                                          </p:spTgt>
-                                        </p:tgtEl>
-                                        <p:attrNameLst>
-                                          <p:attrName>style.visibility</p:attrName>
-                                        </p:attrNameLst>
-                                      </p:cBhvr>
-                                      <p:to>
-                                        <p:strVal val="visible"/>
-                                      </p:to>
-                                    </p:set>
-                                  </p:childTnLst>
-                                </p:cTn>
-                              </p:par>
-                            </p:childTnLst>
-                          </p:cTn>
-                        </p:par>
-                      </p:childTnLst>
-                    </p:cTn>
-                  </p:par>
-                  <p:par>
-                    <p:cTn id="7" fill="hold">
-                      <p:stCondLst>
-                        <p:cond delay="indefinite"/>
-                      </p:stCondLst>
-                      <p:childTnLst>
-                        <p:par>
-                          <p:cTn id="8" fill="hold">
-                            <p:stCondLst>
-                              <p:cond delay="0"/>
-                            </p:stCondLst>
-                            <p:childTnLst>
-                              <p:par>
-                                <p:cTn id="9" presetID="1" presetClass="entr" presetSubtype="0" fill="hold" grpId="0" nodeType="clickEffect">
-                                  <p:stCondLst>
-                                    <p:cond delay="0"/>
-                                  </p:stCondLst>
-                                  <p:childTnLst>
-                                    <p:set>
-                                      <p:cBhvr>
-                                        <p:cTn id="10" dur="1" fill="hold">
-                                          <p:stCondLst>
-                                            <p:cond delay="0"/>
-                                          </p:stCondLst>
-                                        </p:cTn>
-                                        <p:tgtEl>
-                                          <p:spTgt spid="3">
-                                            <p:txEl>
-                                              <p:pRg st="1" end="1"/>
-                                            </p:txEl>
-                                          </p:spTgt>
-                                        </p:tgtEl>
-                                        <p:attrNameLst>
-                                          <p:attrName>style.visibility</p:attrName>
-                                        </p:attrNameLst>
-                                      </p:cBhvr>
-                                      <p:to>
-                                        <p:strVal val="visible"/>
-                                      </p:to>
-                                    </p:set>
-                                  </p:childTnLst>
-                                </p:cTn>
-                              </p:par>
-                            </p:childTnLst>
-                          </p:cTn>
-                        </p:par>
-                      </p:childTnLst>
-                    </p:cTn>
-                  </p:par>
-                  <p:par>
-                    <p:cTn id="11" fill="hold">
-                      <p:stCondLst>
-                        <p:cond delay="indefinite"/>
-                      </p:stCondLst>
-                      <p:childTnLst>
-                        <p:par>
-                          <p:cTn id="12" fill="hold">
-                            <p:stCondLst>
-                              <p:cond delay="0"/>
-                            </p:stCondLst>
-                            <p:childTnLst>
-                              <p:par>
-                                <p:cTn id="13" presetID="1" presetClass="entr" presetSubtype="0" fill="hold" grpId="0" nodeType="clickEffect">
-                                  <p:stCondLst>
-                                    <p:cond delay="0"/>
-                                  </p:stCondLst>
-                                  <p:childTnLst>
-                                    <p:set>
-                                      <p:cBhvr>
-                                        <p:cTn id="14" dur="1" fill="hold">
-                                          <p:stCondLst>
-                                            <p:cond delay="0"/>
-                                          </p:stCondLst>
-                                        </p:cTn>
-                                        <p:tgtEl>
-                                          <p:spTgt spid="3">
-                                            <p:txEl>
-                                              <p:pRg st="2" end="2"/>
-                                            </p:txEl>
-                                          </p:spTgt>
-                                        </p:tgtEl>
-                                        <p:attrNameLst>
-                                          <p:attrName>style.visibility</p:attrName>
-                                        </p:attrNameLst>
-                                      </p:cBhvr>
-                                      <p:to>
-                                        <p:strVal val="visible"/>
-                                      </p:to>
-                                    </p:set>
-                                  </p:childTnLst>
-                                </p:cTn>
-                              </p:par>
-                            </p:childTnLst>
-                          </p:cTn>
-                        </p:par>
-                      </p:childTnLst>
-                    </p:cTn>
-                  </p:par>
-                  <p:par>
-                    <p:cTn id="15" fill="hold">
-                      <p:stCondLst>
-                        <p:cond delay="indefinite"/>
-                      </p:stCondLst>
-                      <p:childTnLst>
-                        <p:par>
-                          <p:cTn id="16" fill="hold">
-                            <p:stCondLst>
-                              <p:cond delay="0"/>
-                            </p:stCondLst>
-                            <p:childTnLst>
-                              <p:par>
-                                <p:cTn id="17" presetID="1" presetClass="entr" presetSubtype="0" fill="hold" grpId="0" nodeType="clickEffect">
-                                  <p:stCondLst>
-                                    <p:cond delay="0"/>
-                                  </p:stCondLst>
-                                  <p:childTnLst>
-                                    <p:set>
-                                      <p:cBhvr>
-                                        <p:cTn id="18" dur="1" fill="hold">
-                                          <p:stCondLst>
-                                            <p:cond delay="0"/>
-                                          </p:stCondLst>
-                                        </p:cTn>
-                                        <p:tgtEl>
-                                          <p:spTgt spid="3">
-                                            <p:txEl>
-                                              <p:pRg st="3" end="3"/>
-                                            </p:txEl>
-                                          </p:spTgt>
-                                        </p:tgtEl>
-                                        <p:attrNameLst>
-                                          <p:attrName>style.visibility</p:attrName>
-                                        </p:attrNameLst>
-                                      </p:cBhvr>
-                                      <p:to>
-                                        <p:strVal val="visible"/>
-                                      </p:to>
-                                    </p:set>
-                                  </p:childTnLst>
-                                </p:cTn>
-                              </p:par>
-                            </p:childTnLst>
-                          </p:cTn>
-                        </p:par>
-                      </p:childTnLst>
-                    </p:cTn>
-                  </p:par>
-                  <p:par>
-                    <p:cTn id="19" fill="hold">
-                      <p:stCondLst>
-                        <p:cond delay="indefinite"/>
-                      </p:stCondLst>
-                      <p:childTnLst>
-                        <p:par>
-                          <p:cTn id="20" fill="hold">
-                            <p:stCondLst>
-                              <p:cond delay="0"/>
-                            </p:stCondLst>
-                            <p:childTnLst>
-                              <p:par>
-                                <p:cTn id="21" presetID="1" presetClass="entr" presetSubtype="0" fill="hold" grpId="0" nodeType="clickEffect">
-                                  <p:stCondLst>
-                                    <p:cond delay="0"/>
-                                  </p:stCondLst>
-                                  <p:childTnLst>
-                                    <p:set>
-                                      <p:cBhvr>
-                                        <p:cTn id="22" dur="1" fill="hold">
-                                          <p:stCondLst>
-                                            <p:cond delay="0"/>
-                                          </p:stCondLst>
-                                        </p:cTn>
-                                        <p:tgtEl>
-                                          <p:spTgt spid="3">
-                                            <p:txEl>
-                                              <p:pRg st="4" end="4"/>
-                                            </p:txEl>
-                                          </p:spTgt>
-                                        </p:tgtEl>
-                                        <p:attrNameLst>
-                                          <p:attrName>style.visibility</p:attrName>
-                                        </p:attrNameLst>
-                                      </p:cBhvr>
-                                      <p:to>
-                                        <p:strVal val="visible"/>
-                                      </p:to>
-                                    </p:set>
-                                  </p:childTnLst>
-                                </p:cTn>
-                              </p:par>
-                            </p:childTnLst>
-                          </p:cTn>
-                        </p:par>
-                      </p:childTnLst>
-                    </p:cTn>
-                  </p:par>
-                  <p:par>
-                    <p:cTn id="23" fill="hold">
-                      <p:stCondLst>
-                        <p:cond delay="indefinite"/>
-                      </p:stCondLst>
-                      <p:childTnLst>
-                        <p:par>
-                          <p:cTn id="24" fill="hold">
-                            <p:stCondLst>
-                              <p:cond delay="0"/>
-                            </p:stCondLst>
-                            <p:childTnLst>
-                              <p:par>
-                                <p:cTn id="25" presetID="1" presetClass="entr" presetSubtype="0" fill="hold" grpId="0" nodeType="clickEffect">
-                                  <p:stCondLst>
-                                    <p:cond delay="0"/>
-                                  </p:stCondLst>
-                                  <p:childTnLst>
-                                    <p:set>
-                                      <p:cBhvr>
-                                        <p:cTn id="26" dur="1" fill="hold">
-                                          <p:stCondLst>
-                                            <p:cond delay="0"/>
-                                          </p:stCondLst>
-                                        </p:cTn>
-                                        <p:tgtEl>
-                                          <p:spTgt spid="3">
-                                            <p:txEl>
-                                              <p:pRg st="5" end="5"/>
-                                            </p:txEl>
-                                          </p:spTgt>
-                                        </p:tgtEl>
-                                        <p:attrNameLst>
-                                          <p:attrName>style.visibility</p:attrName>
-                                        </p:attrNameLst>
-                                      </p:cBhvr>
-                                      <p:to>
-                                        <p:strVal val="visible"/>
-                                      </p:to>
-                                    </p:set>
-                                  </p:childTnLst>
-                                </p:cTn>
-                              </p:par>
-                            </p:childTnLst>
-                          </p:cTn>
-                        </p:par>
-                      </p:childTnLst>
-                    </p:cTn>
-                  </p:par>
-                  <p:par>
-                    <p:cTn id="27" fill="hold">
-                      <p:stCondLst>
-                        <p:cond delay="indefinite"/>
-                      </p:stCondLst>
-                      <p:childTnLst>
-                        <p:par>
-                          <p:cTn id="28" fill="hold">
-                            <p:stCondLst>
-                              <p:cond delay="0"/>
-                            </p:stCondLst>
-                            <p:childTnLst>
-                              <p:par>
-                                <p:cTn id="29" presetID="1" presetClass="entr" presetSubtype="0" fill="hold" grpId="0" nodeType="clickEffect">
-                                  <p:stCondLst>
-                                    <p:cond delay="0"/>
-                                  </p:stCondLst>
-                                  <p:childTnLst>
-                                    <p:set>
-                                      <p:cBhvr>
-                                        <p:cTn id="30" dur="1" fill="hold">
-                                          <p:stCondLst>
-                                            <p:cond delay="0"/>
-                                          </p:stCondLst>
-                                        </p:cTn>
-                                        <p:tgtEl>
-                                          <p:spTgt spid="3">
-                                            <p:txEl>
-                                              <p:pRg st="6" end="6"/>
-                                            </p:txEl>
-                                          </p:spTgt>
-                                        </p:tgtEl>
-                                        <p:attrNameLst>
-                                          <p:attrName>style.visibility</p:attrName>
-                                        </p:attrNameLst>
-                                      </p:cBhvr>
-                                      <p:to>
-                                        <p:strVal val="visible"/>
-                                      </p:to>
-                                    </p:set>
-                                  </p:childTnLst>
-                                </p:cTn>
-                              </p:par>
-                            </p:childTnLst>
-                          </p:cTn>
-                        </p:par>
-                      </p:childTnLst>
-                    </p:cTn>
-                  </p:par>
-                  <p:par>
-                    <p:cTn id="31" fill="hold">
-                      <p:stCondLst>
-                        <p:cond delay="indefinite"/>
-                      </p:stCondLst>
-                      <p:childTnLst>
-                        <p:par>
-                          <p:cTn id="32" fill="hold">
-                            <p:stCondLst>
-                              <p:cond delay="0"/>
-                            </p:stCondLst>
-                            <p:childTnLst>
-                              <p:par>
-                                <p:cTn id="33" presetID="1" presetClass="entr" presetSubtype="0" fill="hold" grpId="0" nodeType="clickEffect">
-                                  <p:stCondLst>
-                                    <p:cond delay="0"/>
-                                  </p:stCondLst>
-                                  <p:childTnLst>
-                                    <p:set>
-                                      <p:cBhvr>
-                                        <p:cTn id="34" dur="1" fill="hold">
-                                          <p:stCondLst>
-                                            <p:cond delay="0"/>
-                                          </p:stCondLst>
-                                        </p:cTn>
-                                        <p:tgtEl>
-                                          <p:spTgt spid="3">
-                                            <p:txEl>
-                                              <p:pRg st="7" end="7"/>
-                                            </p:txEl>
-                                          </p:spTgt>
-                                        </p:tgtEl>
-                                        <p:attrNameLst>
-                                          <p:attrName>style.visibility</p:attrName>
-                                        </p:attrNameLst>
-                                      </p:cBhvr>
-                                      <p:to>
-                                        <p:strVal val="visible"/>
-                                      </p:to>
-                                    </p:set>
-                                  </p:childTnLst>
-                                </p:cTn>
-                              </p:par>
-                            </p:childTnLst>
-                          </p:cTn>
-                        </p:par>
-                      </p:childTnLst>
-                    </p:cTn>
-                  </p:par>
-                </p:childTnLst>
-              </p:cTn>
-              <p:prevCondLst>
-                <p:cond evt="onPrev" delay="0">
-                  <p:tgtEl>
-                    <p:sldTgt/>
-                  </p:tgtEl>
-                </p:cond>
-              </p:prevCondLst>
-              <p:nextCondLst>
-                <p:cond evt="onNext" delay="0">
-                  <p:tgtEl>
-                    <p:sldTgt/>
-                  </p:tgtEl>
-                </p:cond>
-              </p:nextCondLst>
-            </p:seq>
-          </p:childTnLst>
-        </p:cTn>
-      </p:par>
-    </p:tnLst>
-    <p:bldLst>
-      <p:bldP spid="3" grpId="0" build="p"/>
-    </p:bldLst>
-  </p:timing>
-</p:sld>
-</file>
-
-<file path=ppt/slides/slide3.xml><?xml version="1.0" encoding="utf-8"?>
-<p:sld xmlns:a="http://schemas.openxmlformats.org/drawingml/2006/main" xmlns:r="http://schemas.openxmlformats.org/officeDocument/2006/relationships" xmlns:p="http://schemas.openxmlformats.org/presentationml/2006/main">
-  <p:cSld>
-    <p:spTree>
-      <p:nvGrpSpPr>
-        <p:cNvPr id="1" name=""/>
-        <p:cNvGrpSpPr/>
-        <p:nvPr/>
-      </p:nvGrpSpPr>
-      <p:grpSpPr>
-        <a:xfrm>
-          <a:off x="0" y="0"/>
-          <a:ext cx="0" cy="0"/>
-          <a:chOff x="0" y="0"/>
-          <a:chExt cx="0" cy="0"/>
-        </a:xfrm>
-      </p:grpSpPr>
-      <p:sp>
-        <p:nvSpPr>
-          <p:cNvPr id="2" name="Title 1">
-            <a:extLst>
-              <a:ext uri="{FF2B5EF4-FFF2-40B4-BE49-F238E27FC236}">
-                <a16:creationId xmlns:a16="http://schemas.microsoft.com/office/drawing/2014/main" id="{02C59585-B821-4FEC-8FAB-D2AC913C1CF7}"/>
-              </a:ext>
-            </a:extLst>
-          </p:cNvPr>
-          <p:cNvSpPr>
-            <a:spLocks noGrp="1"/>
-          </p:cNvSpPr>
-          <p:nvPr>
-            <p:ph type="title"/>
-          </p:nvPr>
-        </p:nvSpPr>
-        <p:spPr/>
-        <p:txBody>
-          <a:bodyPr/>
-          <a:lstStyle/>
-          <a:p>
-            <a:r>
-              <a:rPr lang="en-US" dirty="0"/>
-              <a:t>Company Hires</a:t>
-            </a:r>
-          </a:p>
-        </p:txBody>
-      </p:sp>
-      <p:sp>
-        <p:nvSpPr>
-          <p:cNvPr id="3" name="Content Placeholder 2">
-            <a:extLst>
-              <a:ext uri="{FF2B5EF4-FFF2-40B4-BE49-F238E27FC236}">
-                <a16:creationId xmlns:a16="http://schemas.microsoft.com/office/drawing/2014/main" id="{5CE39ED5-9E1F-45A9-B4E8-8A23BB2B5F8F}"/>
-              </a:ext>
-            </a:extLst>
-          </p:cNvPr>
-          <p:cNvSpPr>
-            <a:spLocks noGrp="1"/>
-          </p:cNvSpPr>
-          <p:nvPr>
-            <p:ph idx="1"/>
-          </p:nvPr>
-        </p:nvSpPr>
-        <p:spPr/>
-        <p:txBody>
-          <a:bodyPr/>
-          <a:lstStyle/>
-          <a:p>
-            <a:r>
-              <a:rPr lang="en-US" dirty="0"/>
-              <a:t>Formbar.js – Alex Plitt, Ryan Stevenson</a:t>
-            </a:r>
-          </a:p>
-          <a:p>
-            <a:r>
-              <a:rPr lang="en-US" dirty="0" err="1"/>
-              <a:t>DoggoLake</a:t>
-            </a:r>
-            <a:r>
-              <a:rPr lang="en-US" dirty="0"/>
-              <a:t> – Luke Thompson, Talon Pauling</a:t>
-            </a:r>
-          </a:p>
-          <a:p>
-            <a:r>
-              <a:rPr lang="en-US" dirty="0"/>
-              <a:t>Scratch Clone – Logan Cruz</a:t>
-            </a:r>
-          </a:p>
-          <a:p>
-            <a:r>
-              <a:rPr lang="en-US" dirty="0"/>
-              <a:t>Code Factory – Brandon Camacho, </a:t>
-            </a:r>
-            <a:r>
-              <a:rPr lang="en-US" dirty="0" err="1"/>
-              <a:t>Macarios</a:t>
-            </a:r>
-            <a:r>
-              <a:rPr lang="en-US" dirty="0"/>
-              <a:t> Hoover</a:t>
-            </a:r>
-          </a:p>
-          <a:p>
-            <a:r>
-              <a:rPr lang="en-US" dirty="0" err="1"/>
-              <a:t>Blapperture</a:t>
-            </a:r>
-            <a:r>
-              <a:rPr lang="en-US" dirty="0"/>
-              <a:t> Mesa – Beckham Phillips, Carmen </a:t>
-            </a:r>
-            <a:r>
-              <a:rPr lang="en-US" dirty="0" err="1"/>
-              <a:t>Cedano</a:t>
-            </a:r>
-            <a:endParaRPr lang="en-US" dirty="0"/>
-          </a:p>
-          <a:p>
-            <a:endParaRPr lang="en-US" dirty="0"/>
-          </a:p>
-          <a:p>
-            <a:r>
-              <a:rPr lang="en-US" dirty="0"/>
-              <a:t>Juice Cleans and </a:t>
-            </a:r>
-            <a:r>
-              <a:rPr lang="en-US" dirty="0" err="1"/>
-              <a:t>Onlypogs</a:t>
-            </a:r>
-            <a:r>
-              <a:rPr lang="en-US" dirty="0"/>
-              <a:t>, no hires?</a:t>
-            </a:r>
-          </a:p>
-          <a:p>
-            <a:r>
-              <a:rPr lang="en-US" dirty="0"/>
-              <a:t>Logan Danner and David Siefert, Shane </a:t>
-            </a:r>
-            <a:r>
-              <a:rPr lang="en-US" dirty="0" err="1"/>
-              <a:t>Winpigler</a:t>
-            </a:r>
-            <a:r>
-              <a:rPr lang="en-US" dirty="0"/>
-              <a:t> not hired?</a:t>
-            </a:r>
-          </a:p>
-          <a:p>
-            <a:endParaRPr lang="en-US" dirty="0"/>
-          </a:p>
-          <a:p>
-            <a:endParaRPr lang="en-US" dirty="0"/>
-          </a:p>
-        </p:txBody>
-      </p:sp>
-    </p:spTree>
-    <p:extLst>
-      <p:ext uri="{BB962C8B-B14F-4D97-AF65-F5344CB8AC3E}">
-        <p14:creationId xmlns:p14="http://schemas.microsoft.com/office/powerpoint/2010/main" val="2027628352"/>
-      </p:ext>
-    </p:extLst>
-  </p:cSld>
-  <p:clrMapOvr>
-    <a:masterClrMapping/>
-  </p:clrMapOvr>
-  <p:timing>
-    <p:tnLst>
-      <p:par>
-        <p:cTn id="1" dur="indefinite" restart="never" nodeType="tmRoot">
-          <p:childTnLst>
-            <p:seq concurrent="1" nextAc="seek">
-              <p:cTn id="2" dur="indefinite" nodeType="mainSeq">
-                <p:childTnLst>
-                  <p:par>
-                    <p:cTn id="3" fill="hold">
-                      <p:stCondLst>
-                        <p:cond delay="indefinite"/>
-                      </p:stCondLst>
-                      <p:childTnLst>
-                        <p:par>
-                          <p:cTn id="4" fill="hold">
-                            <p:stCondLst>
-                              <p:cond delay="0"/>
-                            </p:stCondLst>
-                            <p:childTnLst>
-                              <p:par>
-                                <p:cTn id="5" presetID="1" presetClass="entr" presetSubtype="0" fill="hold" grpId="0" nodeType="clickEffect">
-                                  <p:stCondLst>
-                                    <p:cond delay="0"/>
-                                  </p:stCondLst>
-                                  <p:childTnLst>
-                                    <p:set>
-                                      <p:cBhvr>
-                                        <p:cTn id="6" dur="1" fill="hold">
-                                          <p:stCondLst>
-                                            <p:cond delay="0"/>
-                                          </p:stCondLst>
-                                        </p:cTn>
-                                        <p:tgtEl>
-                                          <p:spTgt spid="3">
-                                            <p:txEl>
-                                              <p:pRg st="0" end="0"/>
-                                            </p:txEl>
-                                          </p:spTgt>
-                                        </p:tgtEl>
-                                        <p:attrNameLst>
-                                          <p:attrName>style.visibility</p:attrName>
-                                        </p:attrNameLst>
-                                      </p:cBhvr>
-                                      <p:to>
-                                        <p:strVal val="visible"/>
-                                      </p:to>
-                                    </p:set>
-                                  </p:childTnLst>
-                                </p:cTn>
-                              </p:par>
-                            </p:childTnLst>
-                          </p:cTn>
-                        </p:par>
-                      </p:childTnLst>
-                    </p:cTn>
-                  </p:par>
-                  <p:par>
-                    <p:cTn id="7" fill="hold">
-                      <p:stCondLst>
-                        <p:cond delay="indefinite"/>
-                      </p:stCondLst>
-                      <p:childTnLst>
-                        <p:par>
-                          <p:cTn id="8" fill="hold">
-                            <p:stCondLst>
-                              <p:cond delay="0"/>
-                            </p:stCondLst>
-                            <p:childTnLst>
-                              <p:par>
-                                <p:cTn id="9" presetID="1" presetClass="entr" presetSubtype="0" fill="hold" grpId="0" nodeType="clickEffect">
-                                  <p:stCondLst>
-                                    <p:cond delay="0"/>
-                                  </p:stCondLst>
-                                  <p:childTnLst>
-                                    <p:set>
-                                      <p:cBhvr>
-                                        <p:cTn id="10" dur="1" fill="hold">
-                                          <p:stCondLst>
-                                            <p:cond delay="0"/>
-                                          </p:stCondLst>
-                                        </p:cTn>
-                                        <p:tgtEl>
-                                          <p:spTgt spid="3">
-                                            <p:txEl>
-                                              <p:pRg st="1" end="1"/>
-                                            </p:txEl>
-                                          </p:spTgt>
-                                        </p:tgtEl>
-                                        <p:attrNameLst>
-                                          <p:attrName>style.visibility</p:attrName>
-                                        </p:attrNameLst>
-                                      </p:cBhvr>
-                                      <p:to>
-                                        <p:strVal val="visible"/>
-                                      </p:to>
-                                    </p:set>
-                                  </p:childTnLst>
-                                </p:cTn>
-                              </p:par>
-                            </p:childTnLst>
-                          </p:cTn>
-                        </p:par>
-                      </p:childTnLst>
-                    </p:cTn>
-                  </p:par>
-                  <p:par>
-                    <p:cTn id="11" fill="hold">
-                      <p:stCondLst>
-                        <p:cond delay="indefinite"/>
-                      </p:stCondLst>
-                      <p:childTnLst>
-                        <p:par>
-                          <p:cTn id="12" fill="hold">
-                            <p:stCondLst>
-                              <p:cond delay="0"/>
-                            </p:stCondLst>
-                            <p:childTnLst>
-                              <p:par>
-                                <p:cTn id="13" presetID="1" presetClass="entr" presetSubtype="0" fill="hold" grpId="0" nodeType="clickEffect">
-                                  <p:stCondLst>
-                                    <p:cond delay="0"/>
-                                  </p:stCondLst>
-                                  <p:childTnLst>
-                                    <p:set>
-                                      <p:cBhvr>
-                                        <p:cTn id="14" dur="1" fill="hold">
-                                          <p:stCondLst>
-                                            <p:cond delay="0"/>
-                                          </p:stCondLst>
-                                        </p:cTn>
-                                        <p:tgtEl>
-                                          <p:spTgt spid="3">
-                                            <p:txEl>
-                                              <p:pRg st="2" end="2"/>
-                                            </p:txEl>
-                                          </p:spTgt>
-                                        </p:tgtEl>
-                                        <p:attrNameLst>
-                                          <p:attrName>style.visibility</p:attrName>
-                                        </p:attrNameLst>
-                                      </p:cBhvr>
-                                      <p:to>
-                                        <p:strVal val="visible"/>
-                                      </p:to>
-                                    </p:set>
-                                  </p:childTnLst>
-                                </p:cTn>
-                              </p:par>
-                            </p:childTnLst>
-                          </p:cTn>
-                        </p:par>
-                      </p:childTnLst>
-                    </p:cTn>
-                  </p:par>
-                  <p:par>
-                    <p:cTn id="15" fill="hold">
-                      <p:stCondLst>
-                        <p:cond delay="indefinite"/>
-                      </p:stCondLst>
-                      <p:childTnLst>
-                        <p:par>
-                          <p:cTn id="16" fill="hold">
-                            <p:stCondLst>
-                              <p:cond delay="0"/>
-                            </p:stCondLst>
-                            <p:childTnLst>
-                              <p:par>
-                                <p:cTn id="17" presetID="1" presetClass="entr" presetSubtype="0" fill="hold" grpId="0" nodeType="clickEffect">
-                                  <p:stCondLst>
-                                    <p:cond delay="0"/>
-                                  </p:stCondLst>
-                                  <p:childTnLst>
-                                    <p:set>
-                                      <p:cBhvr>
-                                        <p:cTn id="18" dur="1" fill="hold">
-                                          <p:stCondLst>
-                                            <p:cond delay="0"/>
-                                          </p:stCondLst>
-                                        </p:cTn>
-                                        <p:tgtEl>
-                                          <p:spTgt spid="3">
-                                            <p:txEl>
-                                              <p:pRg st="3" end="3"/>
-                                            </p:txEl>
-                                          </p:spTgt>
-                                        </p:tgtEl>
-                                        <p:attrNameLst>
-                                          <p:attrName>style.visibility</p:attrName>
-                                        </p:attrNameLst>
-                                      </p:cBhvr>
-                                      <p:to>
-                                        <p:strVal val="visible"/>
-                                      </p:to>
-                                    </p:set>
-                                  </p:childTnLst>
-                                </p:cTn>
-                              </p:par>
-                            </p:childTnLst>
-                          </p:cTn>
-                        </p:par>
-                      </p:childTnLst>
-                    </p:cTn>
-                  </p:par>
-                  <p:par>
-                    <p:cTn id="19" fill="hold">
-                      <p:stCondLst>
-                        <p:cond delay="indefinite"/>
-                      </p:stCondLst>
-                      <p:childTnLst>
-                        <p:par>
-                          <p:cTn id="20" fill="hold">
-                            <p:stCondLst>
-                              <p:cond delay="0"/>
-                            </p:stCondLst>
-                            <p:childTnLst>
-                              <p:par>
-                                <p:cTn id="21" presetID="1" presetClass="entr" presetSubtype="0" fill="hold" grpId="0" nodeType="clickEffect">
-                                  <p:stCondLst>
-                                    <p:cond delay="0"/>
-                                  </p:stCondLst>
-                                  <p:childTnLst>
-                                    <p:set>
-                                      <p:cBhvr>
-                                        <p:cTn id="22" dur="1" fill="hold">
-                                          <p:stCondLst>
-                                            <p:cond delay="0"/>
-                                          </p:stCondLst>
-                                        </p:cTn>
-                                        <p:tgtEl>
-                                          <p:spTgt spid="3">
-                                            <p:txEl>
-                                              <p:pRg st="4" end="4"/>
-                                            </p:txEl>
-                                          </p:spTgt>
-                                        </p:tgtEl>
-                                        <p:attrNameLst>
-                                          <p:attrName>style.visibility</p:attrName>
-                                        </p:attrNameLst>
-                                      </p:cBhvr>
-                                      <p:to>
-                                        <p:strVal val="visible"/>
-                                      </p:to>
-                                    </p:set>
-                                  </p:childTnLst>
-                                </p:cTn>
-                              </p:par>
-                            </p:childTnLst>
-                          </p:cTn>
-                        </p:par>
-                      </p:childTnLst>
-                    </p:cTn>
-                  </p:par>
-                  <p:par>
-                    <p:cTn id="23" fill="hold">
-                      <p:stCondLst>
-                        <p:cond delay="indefinite"/>
-                      </p:stCondLst>
-                      <p:childTnLst>
-                        <p:par>
-                          <p:cTn id="24" fill="hold">
-                            <p:stCondLst>
-                              <p:cond delay="0"/>
-                            </p:stCondLst>
-                            <p:childTnLst>
-                              <p:par>
-                                <p:cTn id="25" presetID="1" presetClass="entr" presetSubtype="0" fill="hold" grpId="0" nodeType="clickEffect">
-                                  <p:stCondLst>
-                                    <p:cond delay="0"/>
-                                  </p:stCondLst>
-                                  <p:childTnLst>
-                                    <p:set>
-                                      <p:cBhvr>
-                                        <p:cTn id="26" dur="1" fill="hold">
-                                          <p:stCondLst>
-                                            <p:cond delay="0"/>
-                                          </p:stCondLst>
-                                        </p:cTn>
-                                        <p:tgtEl>
-                                          <p:spTgt spid="3">
-                                            <p:txEl>
-                                              <p:pRg st="6" end="6"/>
-                                            </p:txEl>
-                                          </p:spTgt>
-                                        </p:tgtEl>
-                                        <p:attrNameLst>
-                                          <p:attrName>style.visibility</p:attrName>
-                                        </p:attrNameLst>
-                                      </p:cBhvr>
-                                      <p:to>
-                                        <p:strVal val="visible"/>
-                                      </p:to>
-                                    </p:set>
-                                  </p:childTnLst>
-                                </p:cTn>
-                              </p:par>
-                            </p:childTnLst>
-                          </p:cTn>
-                        </p:par>
-                      </p:childTnLst>
-                    </p:cTn>
-                  </p:par>
-                  <p:par>
-                    <p:cTn id="27" fill="hold">
-                      <p:stCondLst>
-                        <p:cond delay="indefinite"/>
-                      </p:stCondLst>
-                      <p:childTnLst>
-                        <p:par>
-                          <p:cTn id="28" fill="hold">
-                            <p:stCondLst>
-                              <p:cond delay="0"/>
-                            </p:stCondLst>
-                            <p:childTnLst>
-                              <p:par>
-                                <p:cTn id="29" presetID="1" presetClass="entr" presetSubtype="0" fill="hold" grpId="0" nodeType="clickEffect">
-                                  <p:stCondLst>
-                                    <p:cond delay="0"/>
-                                  </p:stCondLst>
-                                  <p:childTnLst>
-                                    <p:set>
-                                      <p:cBhvr>
-                                        <p:cTn id="30" dur="1" fill="hold">
-                                          <p:stCondLst>
-                                            <p:cond delay="0"/>
-                                          </p:stCondLst>
-                                        </p:cTn>
-                                        <p:tgtEl>
-                                          <p:spTgt spid="3">
-                                            <p:txEl>
-                                              <p:pRg st="7" end="7"/>
-                                            </p:txEl>
-                                          </p:spTgt>
-                                        </p:tgtEl>
-                                        <p:attrNameLst>
-                                          <p:attrName>style.visibility</p:attrName>
-                                        </p:attrNameLst>
-                                      </p:cBhvr>
-                                      <p:to>
-                                        <p:strVal val="visible"/>
-                                      </p:to>
-                                    </p:set>
-                                  </p:childTnLst>
-                                </p:cTn>
-                              </p:par>
-                            </p:childTnLst>
-                          </p:cTn>
-                        </p:par>
-                      </p:childTnLst>
-                    </p:cTn>
-                  </p:par>
-                </p:childTnLst>
-              </p:cTn>
-              <p:prevCondLst>
-                <p:cond evt="onPrev" delay="0">
-                  <p:tgtEl>
-                    <p:sldTgt/>
-                  </p:tgtEl>
-                </p:cond>
-              </p:prevCondLst>
-              <p:nextCondLst>
-                <p:cond evt="onNext" delay="0">
-                  <p:tgtEl>
-                    <p:sldTgt/>
-                  </p:tgtEl>
-                </p:cond>
-              </p:nextCondLst>
-            </p:seq>
-          </p:childTnLst>
-        </p:cTn>
-      </p:par>
-    </p:tnLst>
-    <p:bldLst>
-      <p:bldP spid="3" grpId="0" build="p"/>
-    </p:bldLst>
-  </p:timing>
-</p:sld>
-</file>
-
-<file path=ppt/slides/slide4.xml><?xml version="1.0" encoding="utf-8"?>
-<p:sld xmlns:a="http://schemas.openxmlformats.org/drawingml/2006/main" xmlns:r="http://schemas.openxmlformats.org/officeDocument/2006/relationships" xmlns:p="http://schemas.openxmlformats.org/presentationml/2006/main">
-  <p:cSld>
-    <p:spTree>
-      <p:nvGrpSpPr>
-        <p:cNvPr id="1" name=""/>
-        <p:cNvGrpSpPr/>
-        <p:nvPr/>
-      </p:nvGrpSpPr>
-      <p:grpSpPr>
-        <a:xfrm>
-          <a:off x="0" y="0"/>
-          <a:ext cx="0" cy="0"/>
-          <a:chOff x="0" y="0"/>
-          <a:chExt cx="0" cy="0"/>
-        </a:xfrm>
-      </p:grpSpPr>
-      <p:sp>
-        <p:nvSpPr>
-          <p:cNvPr id="2" name="Title 1">
-            <a:extLst>
-              <a:ext uri="{FF2B5EF4-FFF2-40B4-BE49-F238E27FC236}">
-                <a16:creationId xmlns:a16="http://schemas.microsoft.com/office/drawing/2014/main" id="{B272DFCF-49AA-48A0-92CE-8A1BECD03EC4}"/>
-              </a:ext>
-            </a:extLst>
-          </p:cNvPr>
-          <p:cNvSpPr>
-            <a:spLocks noGrp="1"/>
-          </p:cNvSpPr>
-          <p:nvPr>
-            <p:ph type="title"/>
-          </p:nvPr>
-        </p:nvSpPr>
-        <p:spPr/>
-        <p:txBody>
-          <a:bodyPr/>
-          <a:lstStyle/>
-          <a:p>
-            <a:r>
-              <a:rPr lang="en-US" dirty="0"/>
-              <a:t>Company First Steps</a:t>
+              <a:t>Company Project Progress</a:t>
             </a:r>
           </a:p>
         </p:txBody>
@@ -4847,42 +3734,34 @@
             <a:pPr lvl="1"/>
             <a:r>
               <a:rPr lang="en-US" dirty="0"/>
-              <a:t>Determine the repo maintainer for your project</a:t>
+              <a:t>Complete your assigned issue for the week</a:t>
             </a:r>
           </a:p>
           <a:p>
             <a:pPr lvl="1"/>
             <a:r>
               <a:rPr lang="en-US" dirty="0"/>
-              <a:t>Set up the repo and branches</a:t>
+              <a:t>Document it in the DocPac</a:t>
             </a:r>
           </a:p>
           <a:p>
             <a:pPr lvl="1"/>
             <a:r>
               <a:rPr lang="en-US" dirty="0"/>
-              <a:t>Get permissions to team members and remove old members</a:t>
+              <a:t>Have it checked next Monday</a:t>
+            </a:r>
+          </a:p>
+          <a:p>
+            <a:r>
+              <a:rPr lang="en-US" dirty="0"/>
+              <a:t>If you complete your work early, assign and start the next issue</a:t>
             </a:r>
           </a:p>
           <a:p>
             <a:pPr lvl="1"/>
             <a:r>
               <a:rPr lang="en-US" dirty="0"/>
-              <a:t>Determine a workflow for merging code</a:t>
-            </a:r>
-          </a:p>
-          <a:p>
-            <a:pPr lvl="1"/>
-            <a:r>
-              <a:rPr lang="en-US" dirty="0"/>
-              <a:t>Determine a first goal and create Issues accordingly</a:t>
-            </a:r>
-          </a:p>
-          <a:p>
-            <a:pPr lvl="1"/>
-            <a:r>
-              <a:rPr lang="en-US" dirty="0"/>
-              <a:t>Assign an issue to each team member that can be completed in one week</a:t>
+              <a:t>Use all of your time wisely and efficiently</a:t>
             </a:r>
           </a:p>
           <a:p>
@@ -5001,26 +3880,39 @@
                                   </p:childTnLst>
                                 </p:cTn>
                               </p:par>
-                            </p:childTnLst>
-                          </p:cTn>
-                        </p:par>
-                      </p:childTnLst>
-                    </p:cTn>
-                  </p:par>
-                  <p:par>
-                    <p:cTn id="11" fill="hold">
-                      <p:stCondLst>
-                        <p:cond delay="indefinite"/>
-                      </p:stCondLst>
-                      <p:childTnLst>
-                        <p:par>
-                          <p:cTn id="12" fill="hold">
-                            <p:stCondLst>
-                              <p:cond delay="0"/>
-                            </p:stCondLst>
-                            <p:childTnLst>
                               <p:par>
-                                <p:cTn id="13" presetID="1" presetClass="entr" presetSubtype="0" fill="hold" grpId="0" nodeType="clickEffect">
+                                <p:cTn id="11" presetID="1" presetClass="entr" presetSubtype="0" fill="hold" grpId="0" nodeType="withEffect">
+                                  <p:stCondLst>
+                                    <p:cond delay="0"/>
+                                  </p:stCondLst>
+                                  <p:childTnLst>
+                                    <p:set>
+                                      <p:cBhvr>
+                                        <p:cTn id="12" dur="1" fill="hold">
+                                          <p:stCondLst>
+                                            <p:cond delay="0"/>
+                                          </p:stCondLst>
+                                        </p:cTn>
+                                        <p:tgtEl>
+                                          <p:spTgt spid="3">
+                                            <p:txEl>
+                                              <p:pRg st="2" end="2"/>
+                                            </p:txEl>
+                                          </p:spTgt>
+                                        </p:tgtEl>
+                                        <p:attrNameLst>
+                                          <p:attrName>style.visibility</p:attrName>
+                                        </p:attrNameLst>
+                                      </p:cBhvr>
+                                      <p:to>
+                                        <p:strVal val="visible"/>
+                                      </p:to>
+                                    </p:set>
+                                  </p:childTnLst>
+                                </p:cTn>
+                              </p:par>
+                              <p:par>
+                                <p:cTn id="13" presetID="1" presetClass="entr" presetSubtype="0" fill="hold" grpId="0" nodeType="withEffect">
                                   <p:stCondLst>
                                     <p:cond delay="0"/>
                                   </p:stCondLst>
@@ -5035,7 +3927,7 @@
                                         <p:tgtEl>
                                           <p:spTgt spid="3">
                                             <p:txEl>
-                                              <p:pRg st="2" end="2"/>
+                                              <p:pRg st="3" end="3"/>
                                             </p:txEl>
                                           </p:spTgt>
                                         </p:tgtEl>
@@ -5084,55 +3976,6 @@
                                         <p:tgtEl>
                                           <p:spTgt spid="3">
                                             <p:txEl>
-                                              <p:pRg st="3" end="3"/>
-                                            </p:txEl>
-                                          </p:spTgt>
-                                        </p:tgtEl>
-                                        <p:attrNameLst>
-                                          <p:attrName>style.visibility</p:attrName>
-                                        </p:attrNameLst>
-                                      </p:cBhvr>
-                                      <p:to>
-                                        <p:strVal val="visible"/>
-                                      </p:to>
-                                    </p:set>
-                                  </p:childTnLst>
-                                </p:cTn>
-                              </p:par>
-                            </p:childTnLst>
-                          </p:cTn>
-                        </p:par>
-                      </p:childTnLst>
-                    </p:cTn>
-                  </p:par>
-                  <p:par>
-                    <p:cTn id="19" fill="hold">
-                      <p:stCondLst>
-                        <p:cond delay="indefinite"/>
-                      </p:stCondLst>
-                      <p:childTnLst>
-                        <p:par>
-                          <p:cTn id="20" fill="hold">
-                            <p:stCondLst>
-                              <p:cond delay="0"/>
-                            </p:stCondLst>
-                            <p:childTnLst>
-                              <p:par>
-                                <p:cTn id="21" presetID="1" presetClass="entr" presetSubtype="0" fill="hold" grpId="0" nodeType="clickEffect">
-                                  <p:stCondLst>
-                                    <p:cond delay="0"/>
-                                  </p:stCondLst>
-                                  <p:childTnLst>
-                                    <p:set>
-                                      <p:cBhvr>
-                                        <p:cTn id="22" dur="1" fill="hold">
-                                          <p:stCondLst>
-                                            <p:cond delay="0"/>
-                                          </p:stCondLst>
-                                        </p:cTn>
-                                        <p:tgtEl>
-                                          <p:spTgt spid="3">
-                                            <p:txEl>
                                               <p:pRg st="4" end="4"/>
                                             </p:txEl>
                                           </p:spTgt>
@@ -5148,33 +3991,15 @@
                                   </p:childTnLst>
                                 </p:cTn>
                               </p:par>
-                            </p:childTnLst>
-                          </p:cTn>
-                        </p:par>
-                      </p:childTnLst>
-                    </p:cTn>
-                  </p:par>
-                  <p:par>
-                    <p:cTn id="23" fill="hold">
-                      <p:stCondLst>
-                        <p:cond delay="indefinite"/>
-                      </p:stCondLst>
-                      <p:childTnLst>
-                        <p:par>
-                          <p:cTn id="24" fill="hold">
-                            <p:stCondLst>
-                              <p:cond delay="0"/>
-                            </p:stCondLst>
-                            <p:childTnLst>
                               <p:par>
-                                <p:cTn id="25" presetID="1" presetClass="entr" presetSubtype="0" fill="hold" grpId="0" nodeType="clickEffect">
+                                <p:cTn id="19" presetID="1" presetClass="entr" presetSubtype="0" fill="hold" grpId="0" nodeType="withEffect">
                                   <p:stCondLst>
                                     <p:cond delay="0"/>
                                   </p:stCondLst>
                                   <p:childTnLst>
                                     <p:set>
                                       <p:cBhvr>
-                                        <p:cTn id="26" dur="1" fill="hold">
+                                        <p:cTn id="20" dur="1" fill="hold">
                                           <p:stCondLst>
                                             <p:cond delay="0"/>
                                           </p:stCondLst>
@@ -5183,55 +4008,6 @@
                                           <p:spTgt spid="3">
                                             <p:txEl>
                                               <p:pRg st="5" end="5"/>
-                                            </p:txEl>
-                                          </p:spTgt>
-                                        </p:tgtEl>
-                                        <p:attrNameLst>
-                                          <p:attrName>style.visibility</p:attrName>
-                                        </p:attrNameLst>
-                                      </p:cBhvr>
-                                      <p:to>
-                                        <p:strVal val="visible"/>
-                                      </p:to>
-                                    </p:set>
-                                  </p:childTnLst>
-                                </p:cTn>
-                              </p:par>
-                            </p:childTnLst>
-                          </p:cTn>
-                        </p:par>
-                      </p:childTnLst>
-                    </p:cTn>
-                  </p:par>
-                  <p:par>
-                    <p:cTn id="27" fill="hold">
-                      <p:stCondLst>
-                        <p:cond delay="indefinite"/>
-                      </p:stCondLst>
-                      <p:childTnLst>
-                        <p:par>
-                          <p:cTn id="28" fill="hold">
-                            <p:stCondLst>
-                              <p:cond delay="0"/>
-                            </p:stCondLst>
-                            <p:childTnLst>
-                              <p:par>
-                                <p:cTn id="29" presetID="1" presetClass="entr" presetSubtype="0" fill="hold" grpId="0" nodeType="clickEffect">
-                                  <p:stCondLst>
-                                    <p:cond delay="0"/>
-                                  </p:stCondLst>
-                                  <p:childTnLst>
-                                    <p:set>
-                                      <p:cBhvr>
-                                        <p:cTn id="30" dur="1" fill="hold">
-                                          <p:stCondLst>
-                                            <p:cond delay="0"/>
-                                          </p:stCondLst>
-                                        </p:cTn>
-                                        <p:tgtEl>
-                                          <p:spTgt spid="3">
-                                            <p:txEl>
-                                              <p:pRg st="6" end="6"/>
                                             </p:txEl>
                                           </p:spTgt>
                                         </p:tgtEl>
@@ -5280,7 +4056,7 @@
 </p:sld>
 </file>
 
-<file path=ppt/slides/slide5.xml><?xml version="1.0" encoding="utf-8"?>
+<file path=ppt/slides/slide3.xml><?xml version="1.0" encoding="utf-8"?>
 <p:sld xmlns:a="http://schemas.openxmlformats.org/drawingml/2006/main" xmlns:r="http://schemas.openxmlformats.org/officeDocument/2006/relationships" xmlns:p="http://schemas.openxmlformats.org/presentationml/2006/main">
   <p:cSld>
     <p:spTree>
@@ -5320,7 +4096,7 @@
           <a:p>
             <a:r>
               <a:rPr lang="en-US" dirty="0"/>
-              <a:t>IT Fundamentals Testing</a:t>
+              <a:t>IT Fundamentals Forms</a:t>
             </a:r>
           </a:p>
         </p:txBody>
@@ -5344,65 +4120,44 @@
         <p:spPr/>
         <p:txBody>
           <a:bodyPr>
-            <a:normAutofit lnSpcReduction="10000"/>
+            <a:normAutofit/>
           </a:bodyPr>
           <a:lstStyle/>
           <a:p>
             <a:r>
               <a:rPr lang="en-US" dirty="0"/>
-              <a:t>We will be getting vouchers to achieve this certification</a:t>
+              <a:t>Many people did not complete their forms as required</a:t>
             </a:r>
           </a:p>
           <a:p>
             <a:r>
               <a:rPr lang="en-US" dirty="0"/>
-              <a:t>The school will pay most of the cost</a:t>
-            </a:r>
-          </a:p>
-          <a:p>
+              <a:t>We need these forms and payment ASAP</a:t>
+            </a:r>
+          </a:p>
+          <a:p>
+            <a:pPr lvl="1"/>
             <a:r>
               <a:rPr lang="en-US" dirty="0"/>
-              <a:t>You will need to provide $20 and parent permission</a:t>
-            </a:r>
-          </a:p>
-          <a:p>
-            <a:pPr lvl="1"/>
+              <a:t>We may not have time to schedule seniors because of these delays</a:t>
+            </a:r>
+          </a:p>
+          <a:p>
             <a:r>
               <a:rPr lang="en-US" dirty="0"/>
-              <a:t>Contact me immediately if this will be an issue</a:t>
-            </a:r>
-          </a:p>
-          <a:p>
+              <a:t>I am submitting the forms TODAY, </a:t>
+            </a:r>
+            <a:r>
+              <a:rPr lang="en-US" i="1" dirty="0"/>
+              <a:t>during</a:t>
+            </a:r>
             <a:r>
               <a:rPr lang="en-US" dirty="0"/>
-              <a:t>Paperwork is due this week in the DocPac</a:t>
-            </a:r>
-          </a:p>
-          <a:p>
-            <a:pPr lvl="1"/>
-            <a:r>
-              <a:rPr lang="en-US" dirty="0"/>
-              <a:t>We will have separate envelopes for the money</a:t>
-            </a:r>
-          </a:p>
-          <a:p>
-            <a:r>
-              <a:rPr lang="en-US" dirty="0"/>
-              <a:t>I will turn in these papers this week and we will receive vouchers back</a:t>
-            </a:r>
-          </a:p>
-          <a:p>
-            <a:r>
-              <a:rPr lang="en-US" dirty="0"/>
-              <a:t>We must then immediately schedule the test</a:t>
-            </a:r>
-          </a:p>
-          <a:p>
-            <a:pPr lvl="1"/>
-            <a:r>
-              <a:rPr lang="en-US" dirty="0"/>
-              <a:t>The test may be taken after the school year ends, but must be scheduled before</a:t>
-            </a:r>
+              <a:t> class</a:t>
+            </a:r>
+          </a:p>
+          <a:p>
+            <a:endParaRPr lang="en-US" dirty="0"/>
           </a:p>
         </p:txBody>
       </p:sp>
@@ -5516,33 +4271,15 @@
                                   </p:childTnLst>
                                 </p:cTn>
                               </p:par>
-                            </p:childTnLst>
-                          </p:cTn>
-                        </p:par>
-                      </p:childTnLst>
-                    </p:cTn>
-                  </p:par>
-                  <p:par>
-                    <p:cTn id="11" fill="hold">
-                      <p:stCondLst>
-                        <p:cond delay="indefinite"/>
-                      </p:stCondLst>
-                      <p:childTnLst>
-                        <p:par>
-                          <p:cTn id="12" fill="hold">
-                            <p:stCondLst>
-                              <p:cond delay="0"/>
-                            </p:stCondLst>
-                            <p:childTnLst>
                               <p:par>
-                                <p:cTn id="13" presetID="1" presetClass="entr" presetSubtype="0" fill="hold" grpId="0" nodeType="clickEffect">
+                                <p:cTn id="11" presetID="1" presetClass="entr" presetSubtype="0" fill="hold" grpId="0" nodeType="withEffect">
                                   <p:stCondLst>
                                     <p:cond delay="0"/>
                                   </p:stCondLst>
                                   <p:childTnLst>
                                     <p:set>
                                       <p:cBhvr>
-                                        <p:cTn id="14" dur="1" fill="hold">
+                                        <p:cTn id="12" dur="1" fill="hold">
                                           <p:stCondLst>
                                             <p:cond delay="0"/>
                                           </p:stCondLst>
@@ -5565,8 +4302,26 @@
                                   </p:childTnLst>
                                 </p:cTn>
                               </p:par>
+                            </p:childTnLst>
+                          </p:cTn>
+                        </p:par>
+                      </p:childTnLst>
+                    </p:cTn>
+                  </p:par>
+                  <p:par>
+                    <p:cTn id="13" fill="hold">
+                      <p:stCondLst>
+                        <p:cond delay="indefinite"/>
+                      </p:stCondLst>
+                      <p:childTnLst>
+                        <p:par>
+                          <p:cTn id="14" fill="hold">
+                            <p:stCondLst>
+                              <p:cond delay="0"/>
+                            </p:stCondLst>
+                            <p:childTnLst>
                               <p:par>
-                                <p:cTn id="15" presetID="1" presetClass="entr" presetSubtype="0" fill="hold" grpId="0" nodeType="withEffect">
+                                <p:cTn id="15" presetID="1" presetClass="entr" presetSubtype="0" fill="hold" grpId="0" nodeType="clickEffect">
                                   <p:stCondLst>
                                     <p:cond delay="0"/>
                                   </p:stCondLst>
@@ -5582,215 +4337,6 @@
                                           <p:spTgt spid="3">
                                             <p:txEl>
                                               <p:pRg st="3" end="3"/>
-                                            </p:txEl>
-                                          </p:spTgt>
-                                        </p:tgtEl>
-                                        <p:attrNameLst>
-                                          <p:attrName>style.visibility</p:attrName>
-                                        </p:attrNameLst>
-                                      </p:cBhvr>
-                                      <p:to>
-                                        <p:strVal val="visible"/>
-                                      </p:to>
-                                    </p:set>
-                                  </p:childTnLst>
-                                </p:cTn>
-                              </p:par>
-                            </p:childTnLst>
-                          </p:cTn>
-                        </p:par>
-                      </p:childTnLst>
-                    </p:cTn>
-                  </p:par>
-                  <p:par>
-                    <p:cTn id="17" fill="hold">
-                      <p:stCondLst>
-                        <p:cond delay="indefinite"/>
-                      </p:stCondLst>
-                      <p:childTnLst>
-                        <p:par>
-                          <p:cTn id="18" fill="hold">
-                            <p:stCondLst>
-                              <p:cond delay="0"/>
-                            </p:stCondLst>
-                            <p:childTnLst>
-                              <p:par>
-                                <p:cTn id="19" presetID="1" presetClass="entr" presetSubtype="0" fill="hold" grpId="0" nodeType="clickEffect">
-                                  <p:stCondLst>
-                                    <p:cond delay="0"/>
-                                  </p:stCondLst>
-                                  <p:childTnLst>
-                                    <p:set>
-                                      <p:cBhvr>
-                                        <p:cTn id="20" dur="1" fill="hold">
-                                          <p:stCondLst>
-                                            <p:cond delay="0"/>
-                                          </p:stCondLst>
-                                        </p:cTn>
-                                        <p:tgtEl>
-                                          <p:spTgt spid="3">
-                                            <p:txEl>
-                                              <p:pRg st="4" end="4"/>
-                                            </p:txEl>
-                                          </p:spTgt>
-                                        </p:tgtEl>
-                                        <p:attrNameLst>
-                                          <p:attrName>style.visibility</p:attrName>
-                                        </p:attrNameLst>
-                                      </p:cBhvr>
-                                      <p:to>
-                                        <p:strVal val="visible"/>
-                                      </p:to>
-                                    </p:set>
-                                  </p:childTnLst>
-                                </p:cTn>
-                              </p:par>
-                              <p:par>
-                                <p:cTn id="21" presetID="1" presetClass="entr" presetSubtype="0" fill="hold" grpId="0" nodeType="withEffect">
-                                  <p:stCondLst>
-                                    <p:cond delay="0"/>
-                                  </p:stCondLst>
-                                  <p:childTnLst>
-                                    <p:set>
-                                      <p:cBhvr>
-                                        <p:cTn id="22" dur="1" fill="hold">
-                                          <p:stCondLst>
-                                            <p:cond delay="0"/>
-                                          </p:stCondLst>
-                                        </p:cTn>
-                                        <p:tgtEl>
-                                          <p:spTgt spid="3">
-                                            <p:txEl>
-                                              <p:pRg st="5" end="5"/>
-                                            </p:txEl>
-                                          </p:spTgt>
-                                        </p:tgtEl>
-                                        <p:attrNameLst>
-                                          <p:attrName>style.visibility</p:attrName>
-                                        </p:attrNameLst>
-                                      </p:cBhvr>
-                                      <p:to>
-                                        <p:strVal val="visible"/>
-                                      </p:to>
-                                    </p:set>
-                                  </p:childTnLst>
-                                </p:cTn>
-                              </p:par>
-                            </p:childTnLst>
-                          </p:cTn>
-                        </p:par>
-                      </p:childTnLst>
-                    </p:cTn>
-                  </p:par>
-                  <p:par>
-                    <p:cTn id="23" fill="hold">
-                      <p:stCondLst>
-                        <p:cond delay="indefinite"/>
-                      </p:stCondLst>
-                      <p:childTnLst>
-                        <p:par>
-                          <p:cTn id="24" fill="hold">
-                            <p:stCondLst>
-                              <p:cond delay="0"/>
-                            </p:stCondLst>
-                            <p:childTnLst>
-                              <p:par>
-                                <p:cTn id="25" presetID="1" presetClass="entr" presetSubtype="0" fill="hold" grpId="0" nodeType="clickEffect">
-                                  <p:stCondLst>
-                                    <p:cond delay="0"/>
-                                  </p:stCondLst>
-                                  <p:childTnLst>
-                                    <p:set>
-                                      <p:cBhvr>
-                                        <p:cTn id="26" dur="1" fill="hold">
-                                          <p:stCondLst>
-                                            <p:cond delay="0"/>
-                                          </p:stCondLst>
-                                        </p:cTn>
-                                        <p:tgtEl>
-                                          <p:spTgt spid="3">
-                                            <p:txEl>
-                                              <p:pRg st="6" end="6"/>
-                                            </p:txEl>
-                                          </p:spTgt>
-                                        </p:tgtEl>
-                                        <p:attrNameLst>
-                                          <p:attrName>style.visibility</p:attrName>
-                                        </p:attrNameLst>
-                                      </p:cBhvr>
-                                      <p:to>
-                                        <p:strVal val="visible"/>
-                                      </p:to>
-                                    </p:set>
-                                  </p:childTnLst>
-                                </p:cTn>
-                              </p:par>
-                            </p:childTnLst>
-                          </p:cTn>
-                        </p:par>
-                      </p:childTnLst>
-                    </p:cTn>
-                  </p:par>
-                  <p:par>
-                    <p:cTn id="27" fill="hold">
-                      <p:stCondLst>
-                        <p:cond delay="indefinite"/>
-                      </p:stCondLst>
-                      <p:childTnLst>
-                        <p:par>
-                          <p:cTn id="28" fill="hold">
-                            <p:stCondLst>
-                              <p:cond delay="0"/>
-                            </p:stCondLst>
-                            <p:childTnLst>
-                              <p:par>
-                                <p:cTn id="29" presetID="1" presetClass="entr" presetSubtype="0" fill="hold" grpId="0" nodeType="clickEffect">
-                                  <p:stCondLst>
-                                    <p:cond delay="0"/>
-                                  </p:stCondLst>
-                                  <p:childTnLst>
-                                    <p:set>
-                                      <p:cBhvr>
-                                        <p:cTn id="30" dur="1" fill="hold">
-                                          <p:stCondLst>
-                                            <p:cond delay="0"/>
-                                          </p:stCondLst>
-                                        </p:cTn>
-                                        <p:tgtEl>
-                                          <p:spTgt spid="3">
-                                            <p:txEl>
-                                              <p:pRg st="7" end="7"/>
-                                            </p:txEl>
-                                          </p:spTgt>
-                                        </p:tgtEl>
-                                        <p:attrNameLst>
-                                          <p:attrName>style.visibility</p:attrName>
-                                        </p:attrNameLst>
-                                      </p:cBhvr>
-                                      <p:to>
-                                        <p:strVal val="visible"/>
-                                      </p:to>
-                                    </p:set>
-                                  </p:childTnLst>
-                                </p:cTn>
-                              </p:par>
-                              <p:par>
-                                <p:cTn id="31" presetID="1" presetClass="entr" presetSubtype="0" fill="hold" grpId="0" nodeType="withEffect">
-                                  <p:stCondLst>
-                                    <p:cond delay="0"/>
-                                  </p:stCondLst>
-                                  <p:childTnLst>
-                                    <p:set>
-                                      <p:cBhvr>
-                                        <p:cTn id="32" dur="1" fill="hold">
-                                          <p:stCondLst>
-                                            <p:cond delay="0"/>
-                                          </p:stCondLst>
-                                        </p:cTn>
-                                        <p:tgtEl>
-                                          <p:spTgt spid="3">
-                                            <p:txEl>
-                                              <p:pRg st="8" end="8"/>
                                             </p:txEl>
                                           </p:spTgt>
                                         </p:tgtEl>
@@ -5839,7 +4385,7 @@
 </p:sld>
 </file>
 
-<file path=ppt/slides/slide6.xml><?xml version="1.0" encoding="utf-8"?>
+<file path=ppt/slides/slide4.xml><?xml version="1.0" encoding="utf-8"?>
 <p:sld xmlns:a="http://schemas.openxmlformats.org/drawingml/2006/main" xmlns:r="http://schemas.openxmlformats.org/officeDocument/2006/relationships" xmlns:p="http://schemas.openxmlformats.org/presentationml/2006/main">
   <p:cSld>
     <p:spTree>
@@ -5861,7 +4407,7 @@
           <p:cNvPr id="2" name="Title 1">
             <a:extLst>
               <a:ext uri="{FF2B5EF4-FFF2-40B4-BE49-F238E27FC236}">
-                <a16:creationId xmlns:a16="http://schemas.microsoft.com/office/drawing/2014/main" id="{623E12C8-E773-41FA-8562-4BE6DF1D58BD}"/>
+                <a16:creationId xmlns:a16="http://schemas.microsoft.com/office/drawing/2014/main" id="{93ED872A-D807-4679-9DD9-58E123B52518}"/>
               </a:ext>
             </a:extLst>
           </p:cNvPr>
@@ -5879,7 +4425,7 @@
           <a:p>
             <a:r>
               <a:rPr lang="en-US" dirty="0"/>
-              <a:t>Golden Pogs</a:t>
+              <a:t>IT Fundamentals Preparation</a:t>
             </a:r>
           </a:p>
         </p:txBody>
@@ -5889,7 +4435,7 @@
           <p:cNvPr id="3" name="Content Placeholder 2">
             <a:extLst>
               <a:ext uri="{FF2B5EF4-FFF2-40B4-BE49-F238E27FC236}">
-                <a16:creationId xmlns:a16="http://schemas.microsoft.com/office/drawing/2014/main" id="{762CB6FD-9F45-4F9C-8148-731AA6C499B2}"/>
+                <a16:creationId xmlns:a16="http://schemas.microsoft.com/office/drawing/2014/main" id="{F4884C0F-6236-419A-A5EF-1D0C8A65E321}"/>
               </a:ext>
             </a:extLst>
           </p:cNvPr>
@@ -5907,46 +4453,39 @@
           <a:p>
             <a:r>
               <a:rPr lang="en-US" dirty="0"/>
-              <a:t>Silver Pogs are rewarded to those who take advantage of opportunities in their life and participate in their community at school</a:t>
+              <a:t>This will be graded each week</a:t>
             </a:r>
           </a:p>
           <a:p>
             <a:r>
               <a:rPr lang="en-US" dirty="0"/>
-              <a:t>Silver Pogs are then traded for a Gold Pog</a:t>
+              <a:t>If you’ve already turned it in, you get a free grade</a:t>
             </a:r>
           </a:p>
           <a:p>
             <a:r>
               <a:rPr lang="en-US" dirty="0"/>
-              <a:t>A Gold Pog entitles you (assuming your behavior continues) to additional career help from me, such as good references</a:t>
+              <a:t>Think of it as one large grade split into smaller chunks, and you lose points for taking longer to complete it.</a:t>
+            </a:r>
+          </a:p>
+          <a:p>
+            <a:r>
+              <a:rPr lang="en-US" dirty="0"/>
+              <a:t>If it is not complete:</a:t>
             </a:r>
           </a:p>
           <a:p>
             <a:pPr lvl="1"/>
             <a:r>
               <a:rPr lang="en-US" dirty="0"/>
-              <a:t>You’ve proven that you will not ruin my reputation by earning the Silver Pogs</a:t>
-            </a:r>
-          </a:p>
-          <a:p>
+              <a:t>It’s homework. DO IT AT HOME.</a:t>
+            </a:r>
+          </a:p>
+          <a:p>
+            <a:pPr lvl="1"/>
             <a:r>
               <a:rPr lang="en-US" dirty="0"/>
-              <a:t>Gold Pog recipients can continue to earn additional Gold Pogs after graduation</a:t>
-            </a:r>
-          </a:p>
-          <a:p>
-            <a:pPr lvl="1"/>
-            <a:r>
-              <a:rPr lang="en-US" dirty="0"/>
-              <a:t>Each year you participate in OAC, presentations, and school events</a:t>
-            </a:r>
-          </a:p>
-          <a:p>
-            <a:pPr lvl="1"/>
-            <a:r>
-              <a:rPr lang="en-US" dirty="0"/>
-              <a:t>Each school year your company survives after you graduate</a:t>
+              <a:t>If you do it in class, you are wasting your team’s time</a:t>
             </a:r>
           </a:p>
         </p:txBody>
@@ -5954,335 +4493,96 @@
     </p:spTree>
     <p:extLst>
       <p:ext uri="{BB962C8B-B14F-4D97-AF65-F5344CB8AC3E}">
-        <p14:creationId xmlns:p14="http://schemas.microsoft.com/office/powerpoint/2010/main" val="1178522657"/>
+        <p14:creationId xmlns:p14="http://schemas.microsoft.com/office/powerpoint/2010/main" val="1094996474"/>
       </p:ext>
     </p:extLst>
   </p:cSld>
   <p:clrMapOvr>
     <a:masterClrMapping/>
   </p:clrMapOvr>
-  <p:timing>
-    <p:tnLst>
-      <p:par>
-        <p:cTn id="1" dur="indefinite" restart="never" nodeType="tmRoot">
-          <p:childTnLst>
-            <p:seq concurrent="1" nextAc="seek">
-              <p:cTn id="2" dur="indefinite" nodeType="mainSeq">
-                <p:childTnLst>
-                  <p:par>
-                    <p:cTn id="3" fill="hold">
-                      <p:stCondLst>
-                        <p:cond delay="indefinite"/>
-                      </p:stCondLst>
-                      <p:childTnLst>
-                        <p:par>
-                          <p:cTn id="4" fill="hold">
-                            <p:stCondLst>
-                              <p:cond delay="0"/>
-                            </p:stCondLst>
-                            <p:childTnLst>
-                              <p:par>
-                                <p:cTn id="5" presetID="1" presetClass="entr" presetSubtype="0" fill="hold" grpId="0" nodeType="clickEffect">
-                                  <p:stCondLst>
-                                    <p:cond delay="0"/>
-                                  </p:stCondLst>
-                                  <p:childTnLst>
-                                    <p:set>
-                                      <p:cBhvr>
-                                        <p:cTn id="6" dur="1" fill="hold">
-                                          <p:stCondLst>
-                                            <p:cond delay="0"/>
-                                          </p:stCondLst>
-                                        </p:cTn>
-                                        <p:tgtEl>
-                                          <p:spTgt spid="3">
-                                            <p:txEl>
-                                              <p:pRg st="0" end="0"/>
-                                            </p:txEl>
-                                          </p:spTgt>
-                                        </p:tgtEl>
-                                        <p:attrNameLst>
-                                          <p:attrName>style.visibility</p:attrName>
-                                        </p:attrNameLst>
-                                      </p:cBhvr>
-                                      <p:to>
-                                        <p:strVal val="visible"/>
-                                      </p:to>
-                                    </p:set>
-                                  </p:childTnLst>
-                                </p:cTn>
-                              </p:par>
-                            </p:childTnLst>
-                          </p:cTn>
-                        </p:par>
-                      </p:childTnLst>
-                    </p:cTn>
-                  </p:par>
-                  <p:par>
-                    <p:cTn id="7" fill="hold">
-                      <p:stCondLst>
-                        <p:cond delay="indefinite"/>
-                      </p:stCondLst>
-                      <p:childTnLst>
-                        <p:par>
-                          <p:cTn id="8" fill="hold">
-                            <p:stCondLst>
-                              <p:cond delay="0"/>
-                            </p:stCondLst>
-                            <p:childTnLst>
-                              <p:par>
-                                <p:cTn id="9" presetID="1" presetClass="entr" presetSubtype="0" fill="hold" grpId="0" nodeType="clickEffect">
-                                  <p:stCondLst>
-                                    <p:cond delay="0"/>
-                                  </p:stCondLst>
-                                  <p:childTnLst>
-                                    <p:set>
-                                      <p:cBhvr>
-                                        <p:cTn id="10" dur="1" fill="hold">
-                                          <p:stCondLst>
-                                            <p:cond delay="0"/>
-                                          </p:stCondLst>
-                                        </p:cTn>
-                                        <p:tgtEl>
-                                          <p:spTgt spid="3">
-                                            <p:txEl>
-                                              <p:pRg st="1" end="1"/>
-                                            </p:txEl>
-                                          </p:spTgt>
-                                        </p:tgtEl>
-                                        <p:attrNameLst>
-                                          <p:attrName>style.visibility</p:attrName>
-                                        </p:attrNameLst>
-                                      </p:cBhvr>
-                                      <p:to>
-                                        <p:strVal val="visible"/>
-                                      </p:to>
-                                    </p:set>
-                                  </p:childTnLst>
-                                </p:cTn>
-                              </p:par>
-                            </p:childTnLst>
-                          </p:cTn>
-                        </p:par>
-                      </p:childTnLst>
-                    </p:cTn>
-                  </p:par>
-                  <p:par>
-                    <p:cTn id="11" fill="hold">
-                      <p:stCondLst>
-                        <p:cond delay="indefinite"/>
-                      </p:stCondLst>
-                      <p:childTnLst>
-                        <p:par>
-                          <p:cTn id="12" fill="hold">
-                            <p:stCondLst>
-                              <p:cond delay="0"/>
-                            </p:stCondLst>
-                            <p:childTnLst>
-                              <p:par>
-                                <p:cTn id="13" presetID="1" presetClass="entr" presetSubtype="0" fill="hold" grpId="0" nodeType="clickEffect">
-                                  <p:stCondLst>
-                                    <p:cond delay="0"/>
-                                  </p:stCondLst>
-                                  <p:childTnLst>
-                                    <p:set>
-                                      <p:cBhvr>
-                                        <p:cTn id="14" dur="1" fill="hold">
-                                          <p:stCondLst>
-                                            <p:cond delay="0"/>
-                                          </p:stCondLst>
-                                        </p:cTn>
-                                        <p:tgtEl>
-                                          <p:spTgt spid="3">
-                                            <p:txEl>
-                                              <p:pRg st="2" end="2"/>
-                                            </p:txEl>
-                                          </p:spTgt>
-                                        </p:tgtEl>
-                                        <p:attrNameLst>
-                                          <p:attrName>style.visibility</p:attrName>
-                                        </p:attrNameLst>
-                                      </p:cBhvr>
-                                      <p:to>
-                                        <p:strVal val="visible"/>
-                                      </p:to>
-                                    </p:set>
-                                  </p:childTnLst>
-                                </p:cTn>
-                              </p:par>
-                              <p:par>
-                                <p:cTn id="15" presetID="1" presetClass="entr" presetSubtype="0" fill="hold" grpId="0" nodeType="withEffect">
-                                  <p:stCondLst>
-                                    <p:cond delay="0"/>
-                                  </p:stCondLst>
-                                  <p:childTnLst>
-                                    <p:set>
-                                      <p:cBhvr>
-                                        <p:cTn id="16" dur="1" fill="hold">
-                                          <p:stCondLst>
-                                            <p:cond delay="0"/>
-                                          </p:stCondLst>
-                                        </p:cTn>
-                                        <p:tgtEl>
-                                          <p:spTgt spid="3">
-                                            <p:txEl>
-                                              <p:pRg st="3" end="3"/>
-                                            </p:txEl>
-                                          </p:spTgt>
-                                        </p:tgtEl>
-                                        <p:attrNameLst>
-                                          <p:attrName>style.visibility</p:attrName>
-                                        </p:attrNameLst>
-                                      </p:cBhvr>
-                                      <p:to>
-                                        <p:strVal val="visible"/>
-                                      </p:to>
-                                    </p:set>
-                                  </p:childTnLst>
-                                </p:cTn>
-                              </p:par>
-                            </p:childTnLst>
-                          </p:cTn>
-                        </p:par>
-                      </p:childTnLst>
-                    </p:cTn>
-                  </p:par>
-                  <p:par>
-                    <p:cTn id="17" fill="hold">
-                      <p:stCondLst>
-                        <p:cond delay="indefinite"/>
-                      </p:stCondLst>
-                      <p:childTnLst>
-                        <p:par>
-                          <p:cTn id="18" fill="hold">
-                            <p:stCondLst>
-                              <p:cond delay="0"/>
-                            </p:stCondLst>
-                            <p:childTnLst>
-                              <p:par>
-                                <p:cTn id="19" presetID="1" presetClass="entr" presetSubtype="0" fill="hold" grpId="0" nodeType="clickEffect">
-                                  <p:stCondLst>
-                                    <p:cond delay="0"/>
-                                  </p:stCondLst>
-                                  <p:childTnLst>
-                                    <p:set>
-                                      <p:cBhvr>
-                                        <p:cTn id="20" dur="1" fill="hold">
-                                          <p:stCondLst>
-                                            <p:cond delay="0"/>
-                                          </p:stCondLst>
-                                        </p:cTn>
-                                        <p:tgtEl>
-                                          <p:spTgt spid="3">
-                                            <p:txEl>
-                                              <p:pRg st="4" end="4"/>
-                                            </p:txEl>
-                                          </p:spTgt>
-                                        </p:tgtEl>
-                                        <p:attrNameLst>
-                                          <p:attrName>style.visibility</p:attrName>
-                                        </p:attrNameLst>
-                                      </p:cBhvr>
-                                      <p:to>
-                                        <p:strVal val="visible"/>
-                                      </p:to>
-                                    </p:set>
-                                  </p:childTnLst>
-                                </p:cTn>
-                              </p:par>
-                              <p:par>
-                                <p:cTn id="21" presetID="1" presetClass="entr" presetSubtype="0" fill="hold" grpId="0" nodeType="withEffect">
-                                  <p:stCondLst>
-                                    <p:cond delay="0"/>
-                                  </p:stCondLst>
-                                  <p:childTnLst>
-                                    <p:set>
-                                      <p:cBhvr>
-                                        <p:cTn id="22" dur="1" fill="hold">
-                                          <p:stCondLst>
-                                            <p:cond delay="0"/>
-                                          </p:stCondLst>
-                                        </p:cTn>
-                                        <p:tgtEl>
-                                          <p:spTgt spid="3">
-                                            <p:txEl>
-                                              <p:pRg st="5" end="5"/>
-                                            </p:txEl>
-                                          </p:spTgt>
-                                        </p:tgtEl>
-                                        <p:attrNameLst>
-                                          <p:attrName>style.visibility</p:attrName>
-                                        </p:attrNameLst>
-                                      </p:cBhvr>
-                                      <p:to>
-                                        <p:strVal val="visible"/>
-                                      </p:to>
-                                    </p:set>
-                                  </p:childTnLst>
-                                </p:cTn>
-                              </p:par>
-                              <p:par>
-                                <p:cTn id="23" presetID="1" presetClass="entr" presetSubtype="0" fill="hold" grpId="0" nodeType="withEffect">
-                                  <p:stCondLst>
-                                    <p:cond delay="0"/>
-                                  </p:stCondLst>
-                                  <p:childTnLst>
-                                    <p:set>
-                                      <p:cBhvr>
-                                        <p:cTn id="24" dur="1" fill="hold">
-                                          <p:stCondLst>
-                                            <p:cond delay="0"/>
-                                          </p:stCondLst>
-                                        </p:cTn>
-                                        <p:tgtEl>
-                                          <p:spTgt spid="3">
-                                            <p:txEl>
-                                              <p:pRg st="6" end="6"/>
-                                            </p:txEl>
-                                          </p:spTgt>
-                                        </p:tgtEl>
-                                        <p:attrNameLst>
-                                          <p:attrName>style.visibility</p:attrName>
-                                        </p:attrNameLst>
-                                      </p:cBhvr>
-                                      <p:to>
-                                        <p:strVal val="visible"/>
-                                      </p:to>
-                                    </p:set>
-                                  </p:childTnLst>
-                                </p:cTn>
-                              </p:par>
-                            </p:childTnLst>
-                          </p:cTn>
-                        </p:par>
-                      </p:childTnLst>
-                    </p:cTn>
-                  </p:par>
-                </p:childTnLst>
-              </p:cTn>
-              <p:prevCondLst>
-                <p:cond evt="onPrev" delay="0">
-                  <p:tgtEl>
-                    <p:sldTgt/>
-                  </p:tgtEl>
-                </p:cond>
-              </p:prevCondLst>
-              <p:nextCondLst>
-                <p:cond evt="onNext" delay="0">
-                  <p:tgtEl>
-                    <p:sldTgt/>
-                  </p:tgtEl>
-                </p:cond>
-              </p:nextCondLst>
-            </p:seq>
-          </p:childTnLst>
-        </p:cTn>
-      </p:par>
-    </p:tnLst>
-    <p:bldLst>
-      <p:bldP spid="3" grpId="0" build="p"/>
-    </p:bldLst>
-  </p:timing>
+</p:sld>
+</file>
+
+<file path=ppt/slides/slide5.xml><?xml version="1.0" encoding="utf-8"?>
+<p:sld xmlns:a="http://schemas.openxmlformats.org/drawingml/2006/main" xmlns:r="http://schemas.openxmlformats.org/officeDocument/2006/relationships" xmlns:p="http://schemas.openxmlformats.org/presentationml/2006/main">
+  <p:cSld>
+    <p:spTree>
+      <p:nvGrpSpPr>
+        <p:cNvPr id="1" name=""/>
+        <p:cNvGrpSpPr/>
+        <p:nvPr/>
+      </p:nvGrpSpPr>
+      <p:grpSpPr>
+        <a:xfrm>
+          <a:off x="0" y="0"/>
+          <a:ext cx="0" cy="0"/>
+          <a:chOff x="0" y="0"/>
+          <a:chExt cx="0" cy="0"/>
+        </a:xfrm>
+      </p:grpSpPr>
+      <p:sp>
+        <p:nvSpPr>
+          <p:cNvPr id="2" name="Title 1">
+            <a:extLst>
+              <a:ext uri="{FF2B5EF4-FFF2-40B4-BE49-F238E27FC236}">
+                <a16:creationId xmlns:a16="http://schemas.microsoft.com/office/drawing/2014/main" id="{5A108405-BB36-4887-87F3-378D079E31D7}"/>
+              </a:ext>
+            </a:extLst>
+          </p:cNvPr>
+          <p:cNvSpPr>
+            <a:spLocks noGrp="1"/>
+          </p:cNvSpPr>
+          <p:nvPr>
+            <p:ph type="title"/>
+          </p:nvPr>
+        </p:nvSpPr>
+        <p:spPr/>
+        <p:txBody>
+          <a:bodyPr/>
+          <a:lstStyle/>
+          <a:p>
+            <a:r>
+              <a:rPr lang="en-US"/>
+              <a:t>Chair Auction</a:t>
+            </a:r>
+          </a:p>
+        </p:txBody>
+      </p:sp>
+      <p:sp>
+        <p:nvSpPr>
+          <p:cNvPr id="3" name="Content Placeholder 2">
+            <a:extLst>
+              <a:ext uri="{FF2B5EF4-FFF2-40B4-BE49-F238E27FC236}">
+                <a16:creationId xmlns:a16="http://schemas.microsoft.com/office/drawing/2014/main" id="{3B1BE28A-B41C-4868-9FEC-784B1F956FF2}"/>
+              </a:ext>
+            </a:extLst>
+          </p:cNvPr>
+          <p:cNvSpPr>
+            <a:spLocks noGrp="1"/>
+          </p:cNvSpPr>
+          <p:nvPr>
+            <p:ph idx="1"/>
+          </p:nvPr>
+        </p:nvSpPr>
+        <p:spPr/>
+        <p:txBody>
+          <a:bodyPr/>
+          <a:lstStyle/>
+          <a:p>
+            <a:endParaRPr lang="en-US"/>
+          </a:p>
+        </p:txBody>
+      </p:sp>
+    </p:spTree>
+    <p:extLst>
+      <p:ext uri="{BB962C8B-B14F-4D97-AF65-F5344CB8AC3E}">
+        <p14:creationId xmlns:p14="http://schemas.microsoft.com/office/powerpoint/2010/main" val="1274540905"/>
+      </p:ext>
+    </p:extLst>
+  </p:cSld>
+  <p:clrMapOvr>
+    <a:masterClrMapping/>
+  </p:clrMapOvr>
 </p:sld>
 </file>
 

--- a/docpac_32270423/Weekly Review.pptx
+++ b/docpac_32270423/Weekly Review.pptx
@@ -6,10 +6,11 @@
   </p:sldMasterIdLst>
   <p:sldIdLst>
     <p:sldId id="256" r:id="rId2"/>
-    <p:sldId id="259" r:id="rId3"/>
-    <p:sldId id="260" r:id="rId4"/>
-    <p:sldId id="262" r:id="rId5"/>
-    <p:sldId id="263" r:id="rId6"/>
+    <p:sldId id="257" r:id="rId3"/>
+    <p:sldId id="258" r:id="rId4"/>
+    <p:sldId id="259" r:id="rId5"/>
+    <p:sldId id="260" r:id="rId6"/>
+    <p:sldId id="261" r:id="rId7"/>
   </p:sldIdLst>
   <p:sldSz cx="12192000" cy="6858000"/>
   <p:notesSz cx="6858000" cy="9144000"/>
@@ -526,7 +527,7 @@
           <a:p>
             <a:fld id="{5FE97E66-812A-4864-A707-4D377C761408}" type="datetimeFigureOut">
               <a:rPr lang="en-US" smtClean="0"/>
-              <a:t>5/1/2023</a:t>
+              <a:t>4/24/2023</a:t>
             </a:fld>
             <a:endParaRPr lang="en-US"/>
           </a:p>
@@ -724,7 +725,7 @@
           <a:p>
             <a:fld id="{5FE97E66-812A-4864-A707-4D377C761408}" type="datetimeFigureOut">
               <a:rPr lang="en-US" smtClean="0"/>
-              <a:t>5/1/2023</a:t>
+              <a:t>4/24/2023</a:t>
             </a:fld>
             <a:endParaRPr lang="en-US"/>
           </a:p>
@@ -932,7 +933,7 @@
           <a:p>
             <a:fld id="{5FE97E66-812A-4864-A707-4D377C761408}" type="datetimeFigureOut">
               <a:rPr lang="en-US" smtClean="0"/>
-              <a:t>5/1/2023</a:t>
+              <a:t>4/24/2023</a:t>
             </a:fld>
             <a:endParaRPr lang="en-US"/>
           </a:p>
@@ -1130,7 +1131,7 @@
           <a:p>
             <a:fld id="{5FE97E66-812A-4864-A707-4D377C761408}" type="datetimeFigureOut">
               <a:rPr lang="en-US" smtClean="0"/>
-              <a:t>5/1/2023</a:t>
+              <a:t>4/24/2023</a:t>
             </a:fld>
             <a:endParaRPr lang="en-US"/>
           </a:p>
@@ -1405,7 +1406,7 @@
           <a:p>
             <a:fld id="{5FE97E66-812A-4864-A707-4D377C761408}" type="datetimeFigureOut">
               <a:rPr lang="en-US" smtClean="0"/>
-              <a:t>5/1/2023</a:t>
+              <a:t>4/24/2023</a:t>
             </a:fld>
             <a:endParaRPr lang="en-US"/>
           </a:p>
@@ -1670,7 +1671,7 @@
           <a:p>
             <a:fld id="{5FE97E66-812A-4864-A707-4D377C761408}" type="datetimeFigureOut">
               <a:rPr lang="en-US" smtClean="0"/>
-              <a:t>5/1/2023</a:t>
+              <a:t>4/24/2023</a:t>
             </a:fld>
             <a:endParaRPr lang="en-US"/>
           </a:p>
@@ -2082,7 +2083,7 @@
           <a:p>
             <a:fld id="{5FE97E66-812A-4864-A707-4D377C761408}" type="datetimeFigureOut">
               <a:rPr lang="en-US" smtClean="0"/>
-              <a:t>5/1/2023</a:t>
+              <a:t>4/24/2023</a:t>
             </a:fld>
             <a:endParaRPr lang="en-US"/>
           </a:p>
@@ -2223,7 +2224,7 @@
           <a:p>
             <a:fld id="{5FE97E66-812A-4864-A707-4D377C761408}" type="datetimeFigureOut">
               <a:rPr lang="en-US" smtClean="0"/>
-              <a:t>5/1/2023</a:t>
+              <a:t>4/24/2023</a:t>
             </a:fld>
             <a:endParaRPr lang="en-US"/>
           </a:p>
@@ -2336,7 +2337,7 @@
           <a:p>
             <a:fld id="{5FE97E66-812A-4864-A707-4D377C761408}" type="datetimeFigureOut">
               <a:rPr lang="en-US" smtClean="0"/>
-              <a:t>5/1/2023</a:t>
+              <a:t>4/24/2023</a:t>
             </a:fld>
             <a:endParaRPr lang="en-US"/>
           </a:p>
@@ -2647,7 +2648,7 @@
           <a:p>
             <a:fld id="{5FE97E66-812A-4864-A707-4D377C761408}" type="datetimeFigureOut">
               <a:rPr lang="en-US" smtClean="0"/>
-              <a:t>5/1/2023</a:t>
+              <a:t>4/24/2023</a:t>
             </a:fld>
             <a:endParaRPr lang="en-US"/>
           </a:p>
@@ -2935,7 +2936,7 @@
           <a:p>
             <a:fld id="{5FE97E66-812A-4864-A707-4D377C761408}" type="datetimeFigureOut">
               <a:rPr lang="en-US" smtClean="0"/>
-              <a:t>5/1/2023</a:t>
+              <a:t>4/24/2023</a:t>
             </a:fld>
             <a:endParaRPr lang="en-US"/>
           </a:p>
@@ -3176,7 +3177,7 @@
           <a:p>
             <a:fld id="{5FE97E66-812A-4864-A707-4D377C761408}" type="datetimeFigureOut">
               <a:rPr lang="en-US" smtClean="0"/>
-              <a:t>5/1/2023</a:t>
+              <a:t>4/24/2023</a:t>
             </a:fld>
             <a:endParaRPr lang="en-US"/>
           </a:p>
@@ -3681,7 +3682,7 @@
           <p:cNvPr id="2" name="Title 1">
             <a:extLst>
               <a:ext uri="{FF2B5EF4-FFF2-40B4-BE49-F238E27FC236}">
-                <a16:creationId xmlns:a16="http://schemas.microsoft.com/office/drawing/2014/main" id="{B272DFCF-49AA-48A0-92CE-8A1BECD03EC4}"/>
+                <a16:creationId xmlns:a16="http://schemas.microsoft.com/office/drawing/2014/main" id="{9E1C6F0B-6D59-4E82-BC1E-FAE3E231E10B}"/>
               </a:ext>
             </a:extLst>
           </p:cNvPr>
@@ -3699,7 +3700,7 @@
           <a:p>
             <a:r>
               <a:rPr lang="en-US" dirty="0"/>
-              <a:t>Company Project Progress</a:t>
+              <a:t>Duolingo</a:t>
             </a:r>
           </a:p>
         </p:txBody>
@@ -3709,7 +3710,7 @@
           <p:cNvPr id="3" name="Content Placeholder 2">
             <a:extLst>
               <a:ext uri="{FF2B5EF4-FFF2-40B4-BE49-F238E27FC236}">
-                <a16:creationId xmlns:a16="http://schemas.microsoft.com/office/drawing/2014/main" id="{B51B46A7-AA7C-4F53-B315-508AB886C456}"/>
+                <a16:creationId xmlns:a16="http://schemas.microsoft.com/office/drawing/2014/main" id="{FEFCBC1E-8A93-4539-A269-A0463651A5B3}"/>
               </a:ext>
             </a:extLst>
           </p:cNvPr>
@@ -3718,6 +3719,546 @@
           </p:cNvSpPr>
           <p:nvPr>
             <p:ph idx="1"/>
+          </p:nvPr>
+        </p:nvSpPr>
+        <p:spPr/>
+        <p:txBody>
+          <a:bodyPr>
+            <a:normAutofit lnSpcReduction="10000"/>
+          </a:bodyPr>
+          <a:lstStyle/>
+          <a:p>
+            <a:r>
+              <a:rPr lang="en-US" dirty="0"/>
+              <a:t>I’m getting really tired of this so this is the last one</a:t>
+            </a:r>
+          </a:p>
+          <a:p>
+            <a:r>
+              <a:rPr lang="en-US" dirty="0"/>
+              <a:t>Logan Danner – 131 days and completed friends quest</a:t>
+            </a:r>
+          </a:p>
+          <a:p>
+            <a:r>
+              <a:rPr lang="en-US" dirty="0"/>
+              <a:t>Alex Plitt – 195 days</a:t>
+            </a:r>
+          </a:p>
+          <a:p>
+            <a:r>
+              <a:rPr lang="en-US" dirty="0"/>
+              <a:t>Logan Cruz – 216 days</a:t>
+            </a:r>
+          </a:p>
+          <a:p>
+            <a:r>
+              <a:rPr lang="en-US" dirty="0"/>
+              <a:t>Tyler </a:t>
+            </a:r>
+            <a:r>
+              <a:rPr lang="en-US" dirty="0" err="1"/>
+              <a:t>Siegmund</a:t>
+            </a:r>
+            <a:r>
+              <a:rPr lang="en-US" dirty="0"/>
+              <a:t> – 185 days</a:t>
+            </a:r>
+          </a:p>
+          <a:p>
+            <a:r>
+              <a:rPr lang="en-US" dirty="0"/>
+              <a:t>Xavier Matheson – 177 days</a:t>
+            </a:r>
+          </a:p>
+          <a:p>
+            <a:r>
+              <a:rPr lang="en-US" dirty="0"/>
+              <a:t>Of 14 currents and former students, 5 are still doing </a:t>
+            </a:r>
+            <a:r>
+              <a:rPr lang="en-US" dirty="0" err="1"/>
+              <a:t>duolingo</a:t>
+            </a:r>
+            <a:endParaRPr lang="en-US" dirty="0"/>
+          </a:p>
+          <a:p>
+            <a:r>
+              <a:rPr lang="en-US" dirty="0"/>
+              <a:t>Bilingualism (especially Spanish) is a major resume piece, and can earn you raises for doing the same job</a:t>
+            </a:r>
+          </a:p>
+        </p:txBody>
+      </p:sp>
+    </p:spTree>
+    <p:extLst>
+      <p:ext uri="{BB962C8B-B14F-4D97-AF65-F5344CB8AC3E}">
+        <p14:creationId xmlns:p14="http://schemas.microsoft.com/office/powerpoint/2010/main" val="659485879"/>
+      </p:ext>
+    </p:extLst>
+  </p:cSld>
+  <p:clrMapOvr>
+    <a:masterClrMapping/>
+  </p:clrMapOvr>
+  <p:timing>
+    <p:tnLst>
+      <p:par>
+        <p:cTn id="1" dur="indefinite" restart="never" nodeType="tmRoot">
+          <p:childTnLst>
+            <p:seq concurrent="1" nextAc="seek">
+              <p:cTn id="2" dur="indefinite" nodeType="mainSeq">
+                <p:childTnLst>
+                  <p:par>
+                    <p:cTn id="3" fill="hold">
+                      <p:stCondLst>
+                        <p:cond delay="indefinite"/>
+                      </p:stCondLst>
+                      <p:childTnLst>
+                        <p:par>
+                          <p:cTn id="4" fill="hold">
+                            <p:stCondLst>
+                              <p:cond delay="0"/>
+                            </p:stCondLst>
+                            <p:childTnLst>
+                              <p:par>
+                                <p:cTn id="5" presetID="1" presetClass="entr" presetSubtype="0" fill="hold" grpId="0" nodeType="clickEffect">
+                                  <p:stCondLst>
+                                    <p:cond delay="0"/>
+                                  </p:stCondLst>
+                                  <p:childTnLst>
+                                    <p:set>
+                                      <p:cBhvr>
+                                        <p:cTn id="6" dur="1" fill="hold">
+                                          <p:stCondLst>
+                                            <p:cond delay="0"/>
+                                          </p:stCondLst>
+                                        </p:cTn>
+                                        <p:tgtEl>
+                                          <p:spTgt spid="3">
+                                            <p:txEl>
+                                              <p:pRg st="0" end="0"/>
+                                            </p:txEl>
+                                          </p:spTgt>
+                                        </p:tgtEl>
+                                        <p:attrNameLst>
+                                          <p:attrName>style.visibility</p:attrName>
+                                        </p:attrNameLst>
+                                      </p:cBhvr>
+                                      <p:to>
+                                        <p:strVal val="visible"/>
+                                      </p:to>
+                                    </p:set>
+                                  </p:childTnLst>
+                                </p:cTn>
+                              </p:par>
+                            </p:childTnLst>
+                          </p:cTn>
+                        </p:par>
+                      </p:childTnLst>
+                    </p:cTn>
+                  </p:par>
+                  <p:par>
+                    <p:cTn id="7" fill="hold">
+                      <p:stCondLst>
+                        <p:cond delay="indefinite"/>
+                      </p:stCondLst>
+                      <p:childTnLst>
+                        <p:par>
+                          <p:cTn id="8" fill="hold">
+                            <p:stCondLst>
+                              <p:cond delay="0"/>
+                            </p:stCondLst>
+                            <p:childTnLst>
+                              <p:par>
+                                <p:cTn id="9" presetID="1" presetClass="entr" presetSubtype="0" fill="hold" grpId="0" nodeType="clickEffect">
+                                  <p:stCondLst>
+                                    <p:cond delay="0"/>
+                                  </p:stCondLst>
+                                  <p:childTnLst>
+                                    <p:set>
+                                      <p:cBhvr>
+                                        <p:cTn id="10" dur="1" fill="hold">
+                                          <p:stCondLst>
+                                            <p:cond delay="0"/>
+                                          </p:stCondLst>
+                                        </p:cTn>
+                                        <p:tgtEl>
+                                          <p:spTgt spid="3">
+                                            <p:txEl>
+                                              <p:pRg st="1" end="1"/>
+                                            </p:txEl>
+                                          </p:spTgt>
+                                        </p:tgtEl>
+                                        <p:attrNameLst>
+                                          <p:attrName>style.visibility</p:attrName>
+                                        </p:attrNameLst>
+                                      </p:cBhvr>
+                                      <p:to>
+                                        <p:strVal val="visible"/>
+                                      </p:to>
+                                    </p:set>
+                                  </p:childTnLst>
+                                </p:cTn>
+                              </p:par>
+                            </p:childTnLst>
+                          </p:cTn>
+                        </p:par>
+                      </p:childTnLst>
+                    </p:cTn>
+                  </p:par>
+                  <p:par>
+                    <p:cTn id="11" fill="hold">
+                      <p:stCondLst>
+                        <p:cond delay="indefinite"/>
+                      </p:stCondLst>
+                      <p:childTnLst>
+                        <p:par>
+                          <p:cTn id="12" fill="hold">
+                            <p:stCondLst>
+                              <p:cond delay="0"/>
+                            </p:stCondLst>
+                            <p:childTnLst>
+                              <p:par>
+                                <p:cTn id="13" presetID="1" presetClass="entr" presetSubtype="0" fill="hold" grpId="0" nodeType="clickEffect">
+                                  <p:stCondLst>
+                                    <p:cond delay="0"/>
+                                  </p:stCondLst>
+                                  <p:childTnLst>
+                                    <p:set>
+                                      <p:cBhvr>
+                                        <p:cTn id="14" dur="1" fill="hold">
+                                          <p:stCondLst>
+                                            <p:cond delay="0"/>
+                                          </p:stCondLst>
+                                        </p:cTn>
+                                        <p:tgtEl>
+                                          <p:spTgt spid="3">
+                                            <p:txEl>
+                                              <p:pRg st="2" end="2"/>
+                                            </p:txEl>
+                                          </p:spTgt>
+                                        </p:tgtEl>
+                                        <p:attrNameLst>
+                                          <p:attrName>style.visibility</p:attrName>
+                                        </p:attrNameLst>
+                                      </p:cBhvr>
+                                      <p:to>
+                                        <p:strVal val="visible"/>
+                                      </p:to>
+                                    </p:set>
+                                  </p:childTnLst>
+                                </p:cTn>
+                              </p:par>
+                            </p:childTnLst>
+                          </p:cTn>
+                        </p:par>
+                      </p:childTnLst>
+                    </p:cTn>
+                  </p:par>
+                  <p:par>
+                    <p:cTn id="15" fill="hold">
+                      <p:stCondLst>
+                        <p:cond delay="indefinite"/>
+                      </p:stCondLst>
+                      <p:childTnLst>
+                        <p:par>
+                          <p:cTn id="16" fill="hold">
+                            <p:stCondLst>
+                              <p:cond delay="0"/>
+                            </p:stCondLst>
+                            <p:childTnLst>
+                              <p:par>
+                                <p:cTn id="17" presetID="1" presetClass="entr" presetSubtype="0" fill="hold" grpId="0" nodeType="clickEffect">
+                                  <p:stCondLst>
+                                    <p:cond delay="0"/>
+                                  </p:stCondLst>
+                                  <p:childTnLst>
+                                    <p:set>
+                                      <p:cBhvr>
+                                        <p:cTn id="18" dur="1" fill="hold">
+                                          <p:stCondLst>
+                                            <p:cond delay="0"/>
+                                          </p:stCondLst>
+                                        </p:cTn>
+                                        <p:tgtEl>
+                                          <p:spTgt spid="3">
+                                            <p:txEl>
+                                              <p:pRg st="3" end="3"/>
+                                            </p:txEl>
+                                          </p:spTgt>
+                                        </p:tgtEl>
+                                        <p:attrNameLst>
+                                          <p:attrName>style.visibility</p:attrName>
+                                        </p:attrNameLst>
+                                      </p:cBhvr>
+                                      <p:to>
+                                        <p:strVal val="visible"/>
+                                      </p:to>
+                                    </p:set>
+                                  </p:childTnLst>
+                                </p:cTn>
+                              </p:par>
+                            </p:childTnLst>
+                          </p:cTn>
+                        </p:par>
+                      </p:childTnLst>
+                    </p:cTn>
+                  </p:par>
+                  <p:par>
+                    <p:cTn id="19" fill="hold">
+                      <p:stCondLst>
+                        <p:cond delay="indefinite"/>
+                      </p:stCondLst>
+                      <p:childTnLst>
+                        <p:par>
+                          <p:cTn id="20" fill="hold">
+                            <p:stCondLst>
+                              <p:cond delay="0"/>
+                            </p:stCondLst>
+                            <p:childTnLst>
+                              <p:par>
+                                <p:cTn id="21" presetID="1" presetClass="entr" presetSubtype="0" fill="hold" grpId="0" nodeType="clickEffect">
+                                  <p:stCondLst>
+                                    <p:cond delay="0"/>
+                                  </p:stCondLst>
+                                  <p:childTnLst>
+                                    <p:set>
+                                      <p:cBhvr>
+                                        <p:cTn id="22" dur="1" fill="hold">
+                                          <p:stCondLst>
+                                            <p:cond delay="0"/>
+                                          </p:stCondLst>
+                                        </p:cTn>
+                                        <p:tgtEl>
+                                          <p:spTgt spid="3">
+                                            <p:txEl>
+                                              <p:pRg st="4" end="4"/>
+                                            </p:txEl>
+                                          </p:spTgt>
+                                        </p:tgtEl>
+                                        <p:attrNameLst>
+                                          <p:attrName>style.visibility</p:attrName>
+                                        </p:attrNameLst>
+                                      </p:cBhvr>
+                                      <p:to>
+                                        <p:strVal val="visible"/>
+                                      </p:to>
+                                    </p:set>
+                                  </p:childTnLst>
+                                </p:cTn>
+                              </p:par>
+                            </p:childTnLst>
+                          </p:cTn>
+                        </p:par>
+                      </p:childTnLst>
+                    </p:cTn>
+                  </p:par>
+                  <p:par>
+                    <p:cTn id="23" fill="hold">
+                      <p:stCondLst>
+                        <p:cond delay="indefinite"/>
+                      </p:stCondLst>
+                      <p:childTnLst>
+                        <p:par>
+                          <p:cTn id="24" fill="hold">
+                            <p:stCondLst>
+                              <p:cond delay="0"/>
+                            </p:stCondLst>
+                            <p:childTnLst>
+                              <p:par>
+                                <p:cTn id="25" presetID="1" presetClass="entr" presetSubtype="0" fill="hold" grpId="0" nodeType="clickEffect">
+                                  <p:stCondLst>
+                                    <p:cond delay="0"/>
+                                  </p:stCondLst>
+                                  <p:childTnLst>
+                                    <p:set>
+                                      <p:cBhvr>
+                                        <p:cTn id="26" dur="1" fill="hold">
+                                          <p:stCondLst>
+                                            <p:cond delay="0"/>
+                                          </p:stCondLst>
+                                        </p:cTn>
+                                        <p:tgtEl>
+                                          <p:spTgt spid="3">
+                                            <p:txEl>
+                                              <p:pRg st="5" end="5"/>
+                                            </p:txEl>
+                                          </p:spTgt>
+                                        </p:tgtEl>
+                                        <p:attrNameLst>
+                                          <p:attrName>style.visibility</p:attrName>
+                                        </p:attrNameLst>
+                                      </p:cBhvr>
+                                      <p:to>
+                                        <p:strVal val="visible"/>
+                                      </p:to>
+                                    </p:set>
+                                  </p:childTnLst>
+                                </p:cTn>
+                              </p:par>
+                            </p:childTnLst>
+                          </p:cTn>
+                        </p:par>
+                      </p:childTnLst>
+                    </p:cTn>
+                  </p:par>
+                  <p:par>
+                    <p:cTn id="27" fill="hold">
+                      <p:stCondLst>
+                        <p:cond delay="indefinite"/>
+                      </p:stCondLst>
+                      <p:childTnLst>
+                        <p:par>
+                          <p:cTn id="28" fill="hold">
+                            <p:stCondLst>
+                              <p:cond delay="0"/>
+                            </p:stCondLst>
+                            <p:childTnLst>
+                              <p:par>
+                                <p:cTn id="29" presetID="1" presetClass="entr" presetSubtype="0" fill="hold" grpId="0" nodeType="clickEffect">
+                                  <p:stCondLst>
+                                    <p:cond delay="0"/>
+                                  </p:stCondLst>
+                                  <p:childTnLst>
+                                    <p:set>
+                                      <p:cBhvr>
+                                        <p:cTn id="30" dur="1" fill="hold">
+                                          <p:stCondLst>
+                                            <p:cond delay="0"/>
+                                          </p:stCondLst>
+                                        </p:cTn>
+                                        <p:tgtEl>
+                                          <p:spTgt spid="3">
+                                            <p:txEl>
+                                              <p:pRg st="6" end="6"/>
+                                            </p:txEl>
+                                          </p:spTgt>
+                                        </p:tgtEl>
+                                        <p:attrNameLst>
+                                          <p:attrName>style.visibility</p:attrName>
+                                        </p:attrNameLst>
+                                      </p:cBhvr>
+                                      <p:to>
+                                        <p:strVal val="visible"/>
+                                      </p:to>
+                                    </p:set>
+                                  </p:childTnLst>
+                                </p:cTn>
+                              </p:par>
+                            </p:childTnLst>
+                          </p:cTn>
+                        </p:par>
+                      </p:childTnLst>
+                    </p:cTn>
+                  </p:par>
+                  <p:par>
+                    <p:cTn id="31" fill="hold">
+                      <p:stCondLst>
+                        <p:cond delay="indefinite"/>
+                      </p:stCondLst>
+                      <p:childTnLst>
+                        <p:par>
+                          <p:cTn id="32" fill="hold">
+                            <p:stCondLst>
+                              <p:cond delay="0"/>
+                            </p:stCondLst>
+                            <p:childTnLst>
+                              <p:par>
+                                <p:cTn id="33" presetID="1" presetClass="entr" presetSubtype="0" fill="hold" grpId="0" nodeType="clickEffect">
+                                  <p:stCondLst>
+                                    <p:cond delay="0"/>
+                                  </p:stCondLst>
+                                  <p:childTnLst>
+                                    <p:set>
+                                      <p:cBhvr>
+                                        <p:cTn id="34" dur="1" fill="hold">
+                                          <p:stCondLst>
+                                            <p:cond delay="0"/>
+                                          </p:stCondLst>
+                                        </p:cTn>
+                                        <p:tgtEl>
+                                          <p:spTgt spid="3">
+                                            <p:txEl>
+                                              <p:pRg st="7" end="7"/>
+                                            </p:txEl>
+                                          </p:spTgt>
+                                        </p:tgtEl>
+                                        <p:attrNameLst>
+                                          <p:attrName>style.visibility</p:attrName>
+                                        </p:attrNameLst>
+                                      </p:cBhvr>
+                                      <p:to>
+                                        <p:strVal val="visible"/>
+                                      </p:to>
+                                    </p:set>
+                                  </p:childTnLst>
+                                </p:cTn>
+                              </p:par>
+                            </p:childTnLst>
+                          </p:cTn>
+                        </p:par>
+                      </p:childTnLst>
+                    </p:cTn>
+                  </p:par>
+                </p:childTnLst>
+              </p:cTn>
+              <p:prevCondLst>
+                <p:cond evt="onPrev" delay="0">
+                  <p:tgtEl>
+                    <p:sldTgt/>
+                  </p:tgtEl>
+                </p:cond>
+              </p:prevCondLst>
+              <p:nextCondLst>
+                <p:cond evt="onNext" delay="0">
+                  <p:tgtEl>
+                    <p:sldTgt/>
+                  </p:tgtEl>
+                </p:cond>
+              </p:nextCondLst>
+            </p:seq>
+          </p:childTnLst>
+        </p:cTn>
+      </p:par>
+    </p:tnLst>
+    <p:bldLst>
+      <p:bldP spid="3" grpId="0" build="p"/>
+    </p:bldLst>
+  </p:timing>
+</p:sld>
+</file>
+
+<file path=ppt/slides/slide3.xml><?xml version="1.0" encoding="utf-8"?>
+<p:sld xmlns:a="http://schemas.openxmlformats.org/drawingml/2006/main" xmlns:r="http://schemas.openxmlformats.org/officeDocument/2006/relationships" xmlns:p="http://schemas.openxmlformats.org/presentationml/2006/main">
+  <p:cSld>
+    <p:spTree>
+      <p:nvGrpSpPr>
+        <p:cNvPr id="1" name=""/>
+        <p:cNvGrpSpPr/>
+        <p:nvPr/>
+      </p:nvGrpSpPr>
+      <p:grpSpPr>
+        <a:xfrm>
+          <a:off x="0" y="0"/>
+          <a:ext cx="0" cy="0"/>
+          <a:chOff x="0" y="0"/>
+          <a:chExt cx="0" cy="0"/>
+        </a:xfrm>
+      </p:grpSpPr>
+      <p:sp>
+        <p:nvSpPr>
+          <p:cNvPr id="2" name="Title 1">
+            <a:extLst>
+              <a:ext uri="{FF2B5EF4-FFF2-40B4-BE49-F238E27FC236}">
+                <a16:creationId xmlns:a16="http://schemas.microsoft.com/office/drawing/2014/main" id="{02C59585-B821-4FEC-8FAB-D2AC913C1CF7}"/>
+              </a:ext>
+            </a:extLst>
+          </p:cNvPr>
+          <p:cNvSpPr>
+            <a:spLocks noGrp="1"/>
+          </p:cNvSpPr>
+          <p:nvPr>
+            <p:ph type="title"/>
           </p:nvPr>
         </p:nvSpPr>
         <p:spPr/>
@@ -3727,6 +4268,578 @@
           <a:p>
             <a:r>
               <a:rPr lang="en-US" dirty="0"/>
+              <a:t>Company Hires</a:t>
+            </a:r>
+          </a:p>
+        </p:txBody>
+      </p:sp>
+      <p:sp>
+        <p:nvSpPr>
+          <p:cNvPr id="3" name="Content Placeholder 2">
+            <a:extLst>
+              <a:ext uri="{FF2B5EF4-FFF2-40B4-BE49-F238E27FC236}">
+                <a16:creationId xmlns:a16="http://schemas.microsoft.com/office/drawing/2014/main" id="{5CE39ED5-9E1F-45A9-B4E8-8A23BB2B5F8F}"/>
+              </a:ext>
+            </a:extLst>
+          </p:cNvPr>
+          <p:cNvSpPr>
+            <a:spLocks noGrp="1"/>
+          </p:cNvSpPr>
+          <p:nvPr>
+            <p:ph idx="1"/>
+          </p:nvPr>
+        </p:nvSpPr>
+        <p:spPr/>
+        <p:txBody>
+          <a:bodyPr/>
+          <a:lstStyle/>
+          <a:p>
+            <a:r>
+              <a:rPr lang="en-US" dirty="0"/>
+              <a:t>Formbar.js – Alex Plitt, Ryan Stevenson</a:t>
+            </a:r>
+          </a:p>
+          <a:p>
+            <a:r>
+              <a:rPr lang="en-US" dirty="0" err="1"/>
+              <a:t>DoggoLake</a:t>
+            </a:r>
+            <a:r>
+              <a:rPr lang="en-US" dirty="0"/>
+              <a:t> – Luke Thompson, Talon Pauling</a:t>
+            </a:r>
+          </a:p>
+          <a:p>
+            <a:r>
+              <a:rPr lang="en-US" dirty="0"/>
+              <a:t>Scratch Clone – Logan Cruz</a:t>
+            </a:r>
+          </a:p>
+          <a:p>
+            <a:r>
+              <a:rPr lang="en-US" dirty="0"/>
+              <a:t>Code Factory – Brandon Camacho, </a:t>
+            </a:r>
+            <a:r>
+              <a:rPr lang="en-US" dirty="0" err="1"/>
+              <a:t>Macarios</a:t>
+            </a:r>
+            <a:r>
+              <a:rPr lang="en-US" dirty="0"/>
+              <a:t> Hoover</a:t>
+            </a:r>
+          </a:p>
+          <a:p>
+            <a:r>
+              <a:rPr lang="en-US" dirty="0" err="1"/>
+              <a:t>Blapperture</a:t>
+            </a:r>
+            <a:r>
+              <a:rPr lang="en-US" dirty="0"/>
+              <a:t> Mesa – Beckham Phillips, Carmen </a:t>
+            </a:r>
+            <a:r>
+              <a:rPr lang="en-US" dirty="0" err="1"/>
+              <a:t>Cedano</a:t>
+            </a:r>
+            <a:endParaRPr lang="en-US" dirty="0"/>
+          </a:p>
+          <a:p>
+            <a:endParaRPr lang="en-US" dirty="0"/>
+          </a:p>
+          <a:p>
+            <a:r>
+              <a:rPr lang="en-US" dirty="0"/>
+              <a:t>Juice Cleans and </a:t>
+            </a:r>
+            <a:r>
+              <a:rPr lang="en-US" dirty="0" err="1"/>
+              <a:t>Onlypogs</a:t>
+            </a:r>
+            <a:r>
+              <a:rPr lang="en-US" dirty="0"/>
+              <a:t>, no hires?</a:t>
+            </a:r>
+          </a:p>
+          <a:p>
+            <a:r>
+              <a:rPr lang="en-US" dirty="0"/>
+              <a:t>Logan Danner and David Siefert, Shane </a:t>
+            </a:r>
+            <a:r>
+              <a:rPr lang="en-US" dirty="0" err="1"/>
+              <a:t>Winpigler</a:t>
+            </a:r>
+            <a:r>
+              <a:rPr lang="en-US" dirty="0"/>
+              <a:t> not hired?</a:t>
+            </a:r>
+          </a:p>
+          <a:p>
+            <a:endParaRPr lang="en-US" dirty="0"/>
+          </a:p>
+          <a:p>
+            <a:endParaRPr lang="en-US" dirty="0"/>
+          </a:p>
+        </p:txBody>
+      </p:sp>
+    </p:spTree>
+    <p:extLst>
+      <p:ext uri="{BB962C8B-B14F-4D97-AF65-F5344CB8AC3E}">
+        <p14:creationId xmlns:p14="http://schemas.microsoft.com/office/powerpoint/2010/main" val="2027628352"/>
+      </p:ext>
+    </p:extLst>
+  </p:cSld>
+  <p:clrMapOvr>
+    <a:masterClrMapping/>
+  </p:clrMapOvr>
+  <p:timing>
+    <p:tnLst>
+      <p:par>
+        <p:cTn id="1" dur="indefinite" restart="never" nodeType="tmRoot">
+          <p:childTnLst>
+            <p:seq concurrent="1" nextAc="seek">
+              <p:cTn id="2" dur="indefinite" nodeType="mainSeq">
+                <p:childTnLst>
+                  <p:par>
+                    <p:cTn id="3" fill="hold">
+                      <p:stCondLst>
+                        <p:cond delay="indefinite"/>
+                      </p:stCondLst>
+                      <p:childTnLst>
+                        <p:par>
+                          <p:cTn id="4" fill="hold">
+                            <p:stCondLst>
+                              <p:cond delay="0"/>
+                            </p:stCondLst>
+                            <p:childTnLst>
+                              <p:par>
+                                <p:cTn id="5" presetID="1" presetClass="entr" presetSubtype="0" fill="hold" grpId="0" nodeType="clickEffect">
+                                  <p:stCondLst>
+                                    <p:cond delay="0"/>
+                                  </p:stCondLst>
+                                  <p:childTnLst>
+                                    <p:set>
+                                      <p:cBhvr>
+                                        <p:cTn id="6" dur="1" fill="hold">
+                                          <p:stCondLst>
+                                            <p:cond delay="0"/>
+                                          </p:stCondLst>
+                                        </p:cTn>
+                                        <p:tgtEl>
+                                          <p:spTgt spid="3">
+                                            <p:txEl>
+                                              <p:pRg st="0" end="0"/>
+                                            </p:txEl>
+                                          </p:spTgt>
+                                        </p:tgtEl>
+                                        <p:attrNameLst>
+                                          <p:attrName>style.visibility</p:attrName>
+                                        </p:attrNameLst>
+                                      </p:cBhvr>
+                                      <p:to>
+                                        <p:strVal val="visible"/>
+                                      </p:to>
+                                    </p:set>
+                                  </p:childTnLst>
+                                </p:cTn>
+                              </p:par>
+                            </p:childTnLst>
+                          </p:cTn>
+                        </p:par>
+                      </p:childTnLst>
+                    </p:cTn>
+                  </p:par>
+                  <p:par>
+                    <p:cTn id="7" fill="hold">
+                      <p:stCondLst>
+                        <p:cond delay="indefinite"/>
+                      </p:stCondLst>
+                      <p:childTnLst>
+                        <p:par>
+                          <p:cTn id="8" fill="hold">
+                            <p:stCondLst>
+                              <p:cond delay="0"/>
+                            </p:stCondLst>
+                            <p:childTnLst>
+                              <p:par>
+                                <p:cTn id="9" presetID="1" presetClass="entr" presetSubtype="0" fill="hold" grpId="0" nodeType="clickEffect">
+                                  <p:stCondLst>
+                                    <p:cond delay="0"/>
+                                  </p:stCondLst>
+                                  <p:childTnLst>
+                                    <p:set>
+                                      <p:cBhvr>
+                                        <p:cTn id="10" dur="1" fill="hold">
+                                          <p:stCondLst>
+                                            <p:cond delay="0"/>
+                                          </p:stCondLst>
+                                        </p:cTn>
+                                        <p:tgtEl>
+                                          <p:spTgt spid="3">
+                                            <p:txEl>
+                                              <p:pRg st="1" end="1"/>
+                                            </p:txEl>
+                                          </p:spTgt>
+                                        </p:tgtEl>
+                                        <p:attrNameLst>
+                                          <p:attrName>style.visibility</p:attrName>
+                                        </p:attrNameLst>
+                                      </p:cBhvr>
+                                      <p:to>
+                                        <p:strVal val="visible"/>
+                                      </p:to>
+                                    </p:set>
+                                  </p:childTnLst>
+                                </p:cTn>
+                              </p:par>
+                            </p:childTnLst>
+                          </p:cTn>
+                        </p:par>
+                      </p:childTnLst>
+                    </p:cTn>
+                  </p:par>
+                  <p:par>
+                    <p:cTn id="11" fill="hold">
+                      <p:stCondLst>
+                        <p:cond delay="indefinite"/>
+                      </p:stCondLst>
+                      <p:childTnLst>
+                        <p:par>
+                          <p:cTn id="12" fill="hold">
+                            <p:stCondLst>
+                              <p:cond delay="0"/>
+                            </p:stCondLst>
+                            <p:childTnLst>
+                              <p:par>
+                                <p:cTn id="13" presetID="1" presetClass="entr" presetSubtype="0" fill="hold" grpId="0" nodeType="clickEffect">
+                                  <p:stCondLst>
+                                    <p:cond delay="0"/>
+                                  </p:stCondLst>
+                                  <p:childTnLst>
+                                    <p:set>
+                                      <p:cBhvr>
+                                        <p:cTn id="14" dur="1" fill="hold">
+                                          <p:stCondLst>
+                                            <p:cond delay="0"/>
+                                          </p:stCondLst>
+                                        </p:cTn>
+                                        <p:tgtEl>
+                                          <p:spTgt spid="3">
+                                            <p:txEl>
+                                              <p:pRg st="2" end="2"/>
+                                            </p:txEl>
+                                          </p:spTgt>
+                                        </p:tgtEl>
+                                        <p:attrNameLst>
+                                          <p:attrName>style.visibility</p:attrName>
+                                        </p:attrNameLst>
+                                      </p:cBhvr>
+                                      <p:to>
+                                        <p:strVal val="visible"/>
+                                      </p:to>
+                                    </p:set>
+                                  </p:childTnLst>
+                                </p:cTn>
+                              </p:par>
+                            </p:childTnLst>
+                          </p:cTn>
+                        </p:par>
+                      </p:childTnLst>
+                    </p:cTn>
+                  </p:par>
+                  <p:par>
+                    <p:cTn id="15" fill="hold">
+                      <p:stCondLst>
+                        <p:cond delay="indefinite"/>
+                      </p:stCondLst>
+                      <p:childTnLst>
+                        <p:par>
+                          <p:cTn id="16" fill="hold">
+                            <p:stCondLst>
+                              <p:cond delay="0"/>
+                            </p:stCondLst>
+                            <p:childTnLst>
+                              <p:par>
+                                <p:cTn id="17" presetID="1" presetClass="entr" presetSubtype="0" fill="hold" grpId="0" nodeType="clickEffect">
+                                  <p:stCondLst>
+                                    <p:cond delay="0"/>
+                                  </p:stCondLst>
+                                  <p:childTnLst>
+                                    <p:set>
+                                      <p:cBhvr>
+                                        <p:cTn id="18" dur="1" fill="hold">
+                                          <p:stCondLst>
+                                            <p:cond delay="0"/>
+                                          </p:stCondLst>
+                                        </p:cTn>
+                                        <p:tgtEl>
+                                          <p:spTgt spid="3">
+                                            <p:txEl>
+                                              <p:pRg st="3" end="3"/>
+                                            </p:txEl>
+                                          </p:spTgt>
+                                        </p:tgtEl>
+                                        <p:attrNameLst>
+                                          <p:attrName>style.visibility</p:attrName>
+                                        </p:attrNameLst>
+                                      </p:cBhvr>
+                                      <p:to>
+                                        <p:strVal val="visible"/>
+                                      </p:to>
+                                    </p:set>
+                                  </p:childTnLst>
+                                </p:cTn>
+                              </p:par>
+                            </p:childTnLst>
+                          </p:cTn>
+                        </p:par>
+                      </p:childTnLst>
+                    </p:cTn>
+                  </p:par>
+                  <p:par>
+                    <p:cTn id="19" fill="hold">
+                      <p:stCondLst>
+                        <p:cond delay="indefinite"/>
+                      </p:stCondLst>
+                      <p:childTnLst>
+                        <p:par>
+                          <p:cTn id="20" fill="hold">
+                            <p:stCondLst>
+                              <p:cond delay="0"/>
+                            </p:stCondLst>
+                            <p:childTnLst>
+                              <p:par>
+                                <p:cTn id="21" presetID="1" presetClass="entr" presetSubtype="0" fill="hold" grpId="0" nodeType="clickEffect">
+                                  <p:stCondLst>
+                                    <p:cond delay="0"/>
+                                  </p:stCondLst>
+                                  <p:childTnLst>
+                                    <p:set>
+                                      <p:cBhvr>
+                                        <p:cTn id="22" dur="1" fill="hold">
+                                          <p:stCondLst>
+                                            <p:cond delay="0"/>
+                                          </p:stCondLst>
+                                        </p:cTn>
+                                        <p:tgtEl>
+                                          <p:spTgt spid="3">
+                                            <p:txEl>
+                                              <p:pRg st="4" end="4"/>
+                                            </p:txEl>
+                                          </p:spTgt>
+                                        </p:tgtEl>
+                                        <p:attrNameLst>
+                                          <p:attrName>style.visibility</p:attrName>
+                                        </p:attrNameLst>
+                                      </p:cBhvr>
+                                      <p:to>
+                                        <p:strVal val="visible"/>
+                                      </p:to>
+                                    </p:set>
+                                  </p:childTnLst>
+                                </p:cTn>
+                              </p:par>
+                            </p:childTnLst>
+                          </p:cTn>
+                        </p:par>
+                      </p:childTnLst>
+                    </p:cTn>
+                  </p:par>
+                  <p:par>
+                    <p:cTn id="23" fill="hold">
+                      <p:stCondLst>
+                        <p:cond delay="indefinite"/>
+                      </p:stCondLst>
+                      <p:childTnLst>
+                        <p:par>
+                          <p:cTn id="24" fill="hold">
+                            <p:stCondLst>
+                              <p:cond delay="0"/>
+                            </p:stCondLst>
+                            <p:childTnLst>
+                              <p:par>
+                                <p:cTn id="25" presetID="1" presetClass="entr" presetSubtype="0" fill="hold" grpId="0" nodeType="clickEffect">
+                                  <p:stCondLst>
+                                    <p:cond delay="0"/>
+                                  </p:stCondLst>
+                                  <p:childTnLst>
+                                    <p:set>
+                                      <p:cBhvr>
+                                        <p:cTn id="26" dur="1" fill="hold">
+                                          <p:stCondLst>
+                                            <p:cond delay="0"/>
+                                          </p:stCondLst>
+                                        </p:cTn>
+                                        <p:tgtEl>
+                                          <p:spTgt spid="3">
+                                            <p:txEl>
+                                              <p:pRg st="6" end="6"/>
+                                            </p:txEl>
+                                          </p:spTgt>
+                                        </p:tgtEl>
+                                        <p:attrNameLst>
+                                          <p:attrName>style.visibility</p:attrName>
+                                        </p:attrNameLst>
+                                      </p:cBhvr>
+                                      <p:to>
+                                        <p:strVal val="visible"/>
+                                      </p:to>
+                                    </p:set>
+                                  </p:childTnLst>
+                                </p:cTn>
+                              </p:par>
+                            </p:childTnLst>
+                          </p:cTn>
+                        </p:par>
+                      </p:childTnLst>
+                    </p:cTn>
+                  </p:par>
+                  <p:par>
+                    <p:cTn id="27" fill="hold">
+                      <p:stCondLst>
+                        <p:cond delay="indefinite"/>
+                      </p:stCondLst>
+                      <p:childTnLst>
+                        <p:par>
+                          <p:cTn id="28" fill="hold">
+                            <p:stCondLst>
+                              <p:cond delay="0"/>
+                            </p:stCondLst>
+                            <p:childTnLst>
+                              <p:par>
+                                <p:cTn id="29" presetID="1" presetClass="entr" presetSubtype="0" fill="hold" grpId="0" nodeType="clickEffect">
+                                  <p:stCondLst>
+                                    <p:cond delay="0"/>
+                                  </p:stCondLst>
+                                  <p:childTnLst>
+                                    <p:set>
+                                      <p:cBhvr>
+                                        <p:cTn id="30" dur="1" fill="hold">
+                                          <p:stCondLst>
+                                            <p:cond delay="0"/>
+                                          </p:stCondLst>
+                                        </p:cTn>
+                                        <p:tgtEl>
+                                          <p:spTgt spid="3">
+                                            <p:txEl>
+                                              <p:pRg st="7" end="7"/>
+                                            </p:txEl>
+                                          </p:spTgt>
+                                        </p:tgtEl>
+                                        <p:attrNameLst>
+                                          <p:attrName>style.visibility</p:attrName>
+                                        </p:attrNameLst>
+                                      </p:cBhvr>
+                                      <p:to>
+                                        <p:strVal val="visible"/>
+                                      </p:to>
+                                    </p:set>
+                                  </p:childTnLst>
+                                </p:cTn>
+                              </p:par>
+                            </p:childTnLst>
+                          </p:cTn>
+                        </p:par>
+                      </p:childTnLst>
+                    </p:cTn>
+                  </p:par>
+                </p:childTnLst>
+              </p:cTn>
+              <p:prevCondLst>
+                <p:cond evt="onPrev" delay="0">
+                  <p:tgtEl>
+                    <p:sldTgt/>
+                  </p:tgtEl>
+                </p:cond>
+              </p:prevCondLst>
+              <p:nextCondLst>
+                <p:cond evt="onNext" delay="0">
+                  <p:tgtEl>
+                    <p:sldTgt/>
+                  </p:tgtEl>
+                </p:cond>
+              </p:nextCondLst>
+            </p:seq>
+          </p:childTnLst>
+        </p:cTn>
+      </p:par>
+    </p:tnLst>
+    <p:bldLst>
+      <p:bldP spid="3" grpId="0" build="p"/>
+    </p:bldLst>
+  </p:timing>
+</p:sld>
+</file>
+
+<file path=ppt/slides/slide4.xml><?xml version="1.0" encoding="utf-8"?>
+<p:sld xmlns:a="http://schemas.openxmlformats.org/drawingml/2006/main" xmlns:r="http://schemas.openxmlformats.org/officeDocument/2006/relationships" xmlns:p="http://schemas.openxmlformats.org/presentationml/2006/main">
+  <p:cSld>
+    <p:spTree>
+      <p:nvGrpSpPr>
+        <p:cNvPr id="1" name=""/>
+        <p:cNvGrpSpPr/>
+        <p:nvPr/>
+      </p:nvGrpSpPr>
+      <p:grpSpPr>
+        <a:xfrm>
+          <a:off x="0" y="0"/>
+          <a:ext cx="0" cy="0"/>
+          <a:chOff x="0" y="0"/>
+          <a:chExt cx="0" cy="0"/>
+        </a:xfrm>
+      </p:grpSpPr>
+      <p:sp>
+        <p:nvSpPr>
+          <p:cNvPr id="2" name="Title 1">
+            <a:extLst>
+              <a:ext uri="{FF2B5EF4-FFF2-40B4-BE49-F238E27FC236}">
+                <a16:creationId xmlns:a16="http://schemas.microsoft.com/office/drawing/2014/main" id="{B272DFCF-49AA-48A0-92CE-8A1BECD03EC4}"/>
+              </a:ext>
+            </a:extLst>
+          </p:cNvPr>
+          <p:cNvSpPr>
+            <a:spLocks noGrp="1"/>
+          </p:cNvSpPr>
+          <p:nvPr>
+            <p:ph type="title"/>
+          </p:nvPr>
+        </p:nvSpPr>
+        <p:spPr/>
+        <p:txBody>
+          <a:bodyPr/>
+          <a:lstStyle/>
+          <a:p>
+            <a:r>
+              <a:rPr lang="en-US" dirty="0"/>
+              <a:t>Company First Steps</a:t>
+            </a:r>
+          </a:p>
+        </p:txBody>
+      </p:sp>
+      <p:sp>
+        <p:nvSpPr>
+          <p:cNvPr id="3" name="Content Placeholder 2">
+            <a:extLst>
+              <a:ext uri="{FF2B5EF4-FFF2-40B4-BE49-F238E27FC236}">
+                <a16:creationId xmlns:a16="http://schemas.microsoft.com/office/drawing/2014/main" id="{B51B46A7-AA7C-4F53-B315-508AB886C456}"/>
+              </a:ext>
+            </a:extLst>
+          </p:cNvPr>
+          <p:cNvSpPr>
+            <a:spLocks noGrp="1"/>
+          </p:cNvSpPr>
+          <p:nvPr>
+            <p:ph idx="1"/>
+          </p:nvPr>
+        </p:nvSpPr>
+        <p:spPr/>
+        <p:txBody>
+          <a:bodyPr/>
+          <a:lstStyle/>
+          <a:p>
+            <a:r>
+              <a:rPr lang="en-US" dirty="0"/>
               <a:t>In the DocPac:</a:t>
             </a:r>
           </a:p>
@@ -3734,34 +4847,42 @@
             <a:pPr lvl="1"/>
             <a:r>
               <a:rPr lang="en-US" dirty="0"/>
-              <a:t>Complete your assigned issue for the week</a:t>
+              <a:t>Determine the repo maintainer for your project</a:t>
             </a:r>
           </a:p>
           <a:p>
             <a:pPr lvl="1"/>
             <a:r>
               <a:rPr lang="en-US" dirty="0"/>
-              <a:t>Document it in the DocPac</a:t>
+              <a:t>Set up the repo and branches</a:t>
             </a:r>
           </a:p>
           <a:p>
             <a:pPr lvl="1"/>
             <a:r>
               <a:rPr lang="en-US" dirty="0"/>
-              <a:t>Have it checked next Monday</a:t>
-            </a:r>
-          </a:p>
-          <a:p>
+              <a:t>Get permissions to team members and remove old members</a:t>
+            </a:r>
+          </a:p>
+          <a:p>
+            <a:pPr lvl="1"/>
             <a:r>
               <a:rPr lang="en-US" dirty="0"/>
-              <a:t>If you complete your work early, assign and start the next issue</a:t>
+              <a:t>Determine a workflow for merging code</a:t>
             </a:r>
           </a:p>
           <a:p>
             <a:pPr lvl="1"/>
             <a:r>
               <a:rPr lang="en-US" dirty="0"/>
-              <a:t>Use all of your time wisely and efficiently</a:t>
+              <a:t>Determine a first goal and create Issues accordingly</a:t>
+            </a:r>
+          </a:p>
+          <a:p>
+            <a:pPr lvl="1"/>
+            <a:r>
+              <a:rPr lang="en-US" dirty="0"/>
+              <a:t>Assign an issue to each team member that can be completed in one week</a:t>
             </a:r>
           </a:p>
           <a:p>
@@ -3880,39 +5001,26 @@
                                   </p:childTnLst>
                                 </p:cTn>
                               </p:par>
+                            </p:childTnLst>
+                          </p:cTn>
+                        </p:par>
+                      </p:childTnLst>
+                    </p:cTn>
+                  </p:par>
+                  <p:par>
+                    <p:cTn id="11" fill="hold">
+                      <p:stCondLst>
+                        <p:cond delay="indefinite"/>
+                      </p:stCondLst>
+                      <p:childTnLst>
+                        <p:par>
+                          <p:cTn id="12" fill="hold">
+                            <p:stCondLst>
+                              <p:cond delay="0"/>
+                            </p:stCondLst>
+                            <p:childTnLst>
                               <p:par>
-                                <p:cTn id="11" presetID="1" presetClass="entr" presetSubtype="0" fill="hold" grpId="0" nodeType="withEffect">
-                                  <p:stCondLst>
-                                    <p:cond delay="0"/>
-                                  </p:stCondLst>
-                                  <p:childTnLst>
-                                    <p:set>
-                                      <p:cBhvr>
-                                        <p:cTn id="12" dur="1" fill="hold">
-                                          <p:stCondLst>
-                                            <p:cond delay="0"/>
-                                          </p:stCondLst>
-                                        </p:cTn>
-                                        <p:tgtEl>
-                                          <p:spTgt spid="3">
-                                            <p:txEl>
-                                              <p:pRg st="2" end="2"/>
-                                            </p:txEl>
-                                          </p:spTgt>
-                                        </p:tgtEl>
-                                        <p:attrNameLst>
-                                          <p:attrName>style.visibility</p:attrName>
-                                        </p:attrNameLst>
-                                      </p:cBhvr>
-                                      <p:to>
-                                        <p:strVal val="visible"/>
-                                      </p:to>
-                                    </p:set>
-                                  </p:childTnLst>
-                                </p:cTn>
-                              </p:par>
-                              <p:par>
-                                <p:cTn id="13" presetID="1" presetClass="entr" presetSubtype="0" fill="hold" grpId="0" nodeType="withEffect">
+                                <p:cTn id="13" presetID="1" presetClass="entr" presetSubtype="0" fill="hold" grpId="0" nodeType="clickEffect">
                                   <p:stCondLst>
                                     <p:cond delay="0"/>
                                   </p:stCondLst>
@@ -3927,7 +5035,7 @@
                                         <p:tgtEl>
                                           <p:spTgt spid="3">
                                             <p:txEl>
-                                              <p:pRg st="3" end="3"/>
+                                              <p:pRg st="2" end="2"/>
                                             </p:txEl>
                                           </p:spTgt>
                                         </p:tgtEl>
@@ -3976,6 +5084,55 @@
                                         <p:tgtEl>
                                           <p:spTgt spid="3">
                                             <p:txEl>
+                                              <p:pRg st="3" end="3"/>
+                                            </p:txEl>
+                                          </p:spTgt>
+                                        </p:tgtEl>
+                                        <p:attrNameLst>
+                                          <p:attrName>style.visibility</p:attrName>
+                                        </p:attrNameLst>
+                                      </p:cBhvr>
+                                      <p:to>
+                                        <p:strVal val="visible"/>
+                                      </p:to>
+                                    </p:set>
+                                  </p:childTnLst>
+                                </p:cTn>
+                              </p:par>
+                            </p:childTnLst>
+                          </p:cTn>
+                        </p:par>
+                      </p:childTnLst>
+                    </p:cTn>
+                  </p:par>
+                  <p:par>
+                    <p:cTn id="19" fill="hold">
+                      <p:stCondLst>
+                        <p:cond delay="indefinite"/>
+                      </p:stCondLst>
+                      <p:childTnLst>
+                        <p:par>
+                          <p:cTn id="20" fill="hold">
+                            <p:stCondLst>
+                              <p:cond delay="0"/>
+                            </p:stCondLst>
+                            <p:childTnLst>
+                              <p:par>
+                                <p:cTn id="21" presetID="1" presetClass="entr" presetSubtype="0" fill="hold" grpId="0" nodeType="clickEffect">
+                                  <p:stCondLst>
+                                    <p:cond delay="0"/>
+                                  </p:stCondLst>
+                                  <p:childTnLst>
+                                    <p:set>
+                                      <p:cBhvr>
+                                        <p:cTn id="22" dur="1" fill="hold">
+                                          <p:stCondLst>
+                                            <p:cond delay="0"/>
+                                          </p:stCondLst>
+                                        </p:cTn>
+                                        <p:tgtEl>
+                                          <p:spTgt spid="3">
+                                            <p:txEl>
                                               <p:pRg st="4" end="4"/>
                                             </p:txEl>
                                           </p:spTgt>
@@ -3991,15 +5148,33 @@
                                   </p:childTnLst>
                                 </p:cTn>
                               </p:par>
+                            </p:childTnLst>
+                          </p:cTn>
+                        </p:par>
+                      </p:childTnLst>
+                    </p:cTn>
+                  </p:par>
+                  <p:par>
+                    <p:cTn id="23" fill="hold">
+                      <p:stCondLst>
+                        <p:cond delay="indefinite"/>
+                      </p:stCondLst>
+                      <p:childTnLst>
+                        <p:par>
+                          <p:cTn id="24" fill="hold">
+                            <p:stCondLst>
+                              <p:cond delay="0"/>
+                            </p:stCondLst>
+                            <p:childTnLst>
                               <p:par>
-                                <p:cTn id="19" presetID="1" presetClass="entr" presetSubtype="0" fill="hold" grpId="0" nodeType="withEffect">
+                                <p:cTn id="25" presetID="1" presetClass="entr" presetSubtype="0" fill="hold" grpId="0" nodeType="clickEffect">
                                   <p:stCondLst>
                                     <p:cond delay="0"/>
                                   </p:stCondLst>
                                   <p:childTnLst>
                                     <p:set>
                                       <p:cBhvr>
-                                        <p:cTn id="20" dur="1" fill="hold">
+                                        <p:cTn id="26" dur="1" fill="hold">
                                           <p:stCondLst>
                                             <p:cond delay="0"/>
                                           </p:stCondLst>
@@ -4008,6 +5183,55 @@
                                           <p:spTgt spid="3">
                                             <p:txEl>
                                               <p:pRg st="5" end="5"/>
+                                            </p:txEl>
+                                          </p:spTgt>
+                                        </p:tgtEl>
+                                        <p:attrNameLst>
+                                          <p:attrName>style.visibility</p:attrName>
+                                        </p:attrNameLst>
+                                      </p:cBhvr>
+                                      <p:to>
+                                        <p:strVal val="visible"/>
+                                      </p:to>
+                                    </p:set>
+                                  </p:childTnLst>
+                                </p:cTn>
+                              </p:par>
+                            </p:childTnLst>
+                          </p:cTn>
+                        </p:par>
+                      </p:childTnLst>
+                    </p:cTn>
+                  </p:par>
+                  <p:par>
+                    <p:cTn id="27" fill="hold">
+                      <p:stCondLst>
+                        <p:cond delay="indefinite"/>
+                      </p:stCondLst>
+                      <p:childTnLst>
+                        <p:par>
+                          <p:cTn id="28" fill="hold">
+                            <p:stCondLst>
+                              <p:cond delay="0"/>
+                            </p:stCondLst>
+                            <p:childTnLst>
+                              <p:par>
+                                <p:cTn id="29" presetID="1" presetClass="entr" presetSubtype="0" fill="hold" grpId="0" nodeType="clickEffect">
+                                  <p:stCondLst>
+                                    <p:cond delay="0"/>
+                                  </p:stCondLst>
+                                  <p:childTnLst>
+                                    <p:set>
+                                      <p:cBhvr>
+                                        <p:cTn id="30" dur="1" fill="hold">
+                                          <p:stCondLst>
+                                            <p:cond delay="0"/>
+                                          </p:stCondLst>
+                                        </p:cTn>
+                                        <p:tgtEl>
+                                          <p:spTgt spid="3">
+                                            <p:txEl>
+                                              <p:pRg st="6" end="6"/>
                                             </p:txEl>
                                           </p:spTgt>
                                         </p:tgtEl>
@@ -4056,7 +5280,7 @@
 </p:sld>
 </file>
 
-<file path=ppt/slides/slide3.xml><?xml version="1.0" encoding="utf-8"?>
+<file path=ppt/slides/slide5.xml><?xml version="1.0" encoding="utf-8"?>
 <p:sld xmlns:a="http://schemas.openxmlformats.org/drawingml/2006/main" xmlns:r="http://schemas.openxmlformats.org/officeDocument/2006/relationships" xmlns:p="http://schemas.openxmlformats.org/presentationml/2006/main">
   <p:cSld>
     <p:spTree>
@@ -4096,7 +5320,7 @@
           <a:p>
             <a:r>
               <a:rPr lang="en-US" dirty="0"/>
-              <a:t>IT Fundamentals Forms</a:t>
+              <a:t>IT Fundamentals Testing</a:t>
             </a:r>
           </a:p>
         </p:txBody>
@@ -4120,44 +5344,65 @@
         <p:spPr/>
         <p:txBody>
           <a:bodyPr>
-            <a:normAutofit/>
+            <a:normAutofit lnSpcReduction="10000"/>
           </a:bodyPr>
           <a:lstStyle/>
           <a:p>
             <a:r>
               <a:rPr lang="en-US" dirty="0"/>
-              <a:t>Many people did not complete their forms as required</a:t>
+              <a:t>We will be getting vouchers to achieve this certification</a:t>
             </a:r>
           </a:p>
           <a:p>
             <a:r>
               <a:rPr lang="en-US" dirty="0"/>
-              <a:t>We need these forms and payment ASAP</a:t>
+              <a:t>The school will pay most of the cost</a:t>
+            </a:r>
+          </a:p>
+          <a:p>
+            <a:r>
+              <a:rPr lang="en-US" dirty="0"/>
+              <a:t>You will need to provide $20 and parent permission</a:t>
             </a:r>
           </a:p>
           <a:p>
             <a:pPr lvl="1"/>
             <a:r>
               <a:rPr lang="en-US" dirty="0"/>
-              <a:t>We may not have time to schedule seniors because of these delays</a:t>
+              <a:t>Contact me immediately if this will be an issue</a:t>
             </a:r>
           </a:p>
           <a:p>
             <a:r>
               <a:rPr lang="en-US" dirty="0"/>
-              <a:t>I am submitting the forms TODAY, </a:t>
-            </a:r>
-            <a:r>
-              <a:rPr lang="en-US" i="1" dirty="0"/>
-              <a:t>during</a:t>
-            </a:r>
+              <a:t>Paperwork is due this week in the DocPac</a:t>
+            </a:r>
+          </a:p>
+          <a:p>
+            <a:pPr lvl="1"/>
             <a:r>
               <a:rPr lang="en-US" dirty="0"/>
-              <a:t> class</a:t>
-            </a:r>
-          </a:p>
-          <a:p>
-            <a:endParaRPr lang="en-US" dirty="0"/>
+              <a:t>We will have separate envelopes for the money</a:t>
+            </a:r>
+          </a:p>
+          <a:p>
+            <a:r>
+              <a:rPr lang="en-US" dirty="0"/>
+              <a:t>I will turn in these papers this week and we will receive vouchers back</a:t>
+            </a:r>
+          </a:p>
+          <a:p>
+            <a:r>
+              <a:rPr lang="en-US" dirty="0"/>
+              <a:t>We must then immediately schedule the test</a:t>
+            </a:r>
+          </a:p>
+          <a:p>
+            <a:pPr lvl="1"/>
+            <a:r>
+              <a:rPr lang="en-US" dirty="0"/>
+              <a:t>The test may be taken after the school year ends, but must be scheduled before</a:t>
+            </a:r>
           </a:p>
         </p:txBody>
       </p:sp>
@@ -4271,15 +5516,33 @@
                                   </p:childTnLst>
                                 </p:cTn>
                               </p:par>
+                            </p:childTnLst>
+                          </p:cTn>
+                        </p:par>
+                      </p:childTnLst>
+                    </p:cTn>
+                  </p:par>
+                  <p:par>
+                    <p:cTn id="11" fill="hold">
+                      <p:stCondLst>
+                        <p:cond delay="indefinite"/>
+                      </p:stCondLst>
+                      <p:childTnLst>
+                        <p:par>
+                          <p:cTn id="12" fill="hold">
+                            <p:stCondLst>
+                              <p:cond delay="0"/>
+                            </p:stCondLst>
+                            <p:childTnLst>
                               <p:par>
-                                <p:cTn id="11" presetID="1" presetClass="entr" presetSubtype="0" fill="hold" grpId="0" nodeType="withEffect">
+                                <p:cTn id="13" presetID="1" presetClass="entr" presetSubtype="0" fill="hold" grpId="0" nodeType="clickEffect">
                                   <p:stCondLst>
                                     <p:cond delay="0"/>
                                   </p:stCondLst>
                                   <p:childTnLst>
                                     <p:set>
                                       <p:cBhvr>
-                                        <p:cTn id="12" dur="1" fill="hold">
+                                        <p:cTn id="14" dur="1" fill="hold">
                                           <p:stCondLst>
                                             <p:cond delay="0"/>
                                           </p:stCondLst>
@@ -4302,26 +5565,8 @@
                                   </p:childTnLst>
                                 </p:cTn>
                               </p:par>
-                            </p:childTnLst>
-                          </p:cTn>
-                        </p:par>
-                      </p:childTnLst>
-                    </p:cTn>
-                  </p:par>
-                  <p:par>
-                    <p:cTn id="13" fill="hold">
-                      <p:stCondLst>
-                        <p:cond delay="indefinite"/>
-                      </p:stCondLst>
-                      <p:childTnLst>
-                        <p:par>
-                          <p:cTn id="14" fill="hold">
-                            <p:stCondLst>
-                              <p:cond delay="0"/>
-                            </p:stCondLst>
-                            <p:childTnLst>
                               <p:par>
-                                <p:cTn id="15" presetID="1" presetClass="entr" presetSubtype="0" fill="hold" grpId="0" nodeType="clickEffect">
+                                <p:cTn id="15" presetID="1" presetClass="entr" presetSubtype="0" fill="hold" grpId="0" nodeType="withEffect">
                                   <p:stCondLst>
                                     <p:cond delay="0"/>
                                   </p:stCondLst>
@@ -4337,6 +5582,215 @@
                                           <p:spTgt spid="3">
                                             <p:txEl>
                                               <p:pRg st="3" end="3"/>
+                                            </p:txEl>
+                                          </p:spTgt>
+                                        </p:tgtEl>
+                                        <p:attrNameLst>
+                                          <p:attrName>style.visibility</p:attrName>
+                                        </p:attrNameLst>
+                                      </p:cBhvr>
+                                      <p:to>
+                                        <p:strVal val="visible"/>
+                                      </p:to>
+                                    </p:set>
+                                  </p:childTnLst>
+                                </p:cTn>
+                              </p:par>
+                            </p:childTnLst>
+                          </p:cTn>
+                        </p:par>
+                      </p:childTnLst>
+                    </p:cTn>
+                  </p:par>
+                  <p:par>
+                    <p:cTn id="17" fill="hold">
+                      <p:stCondLst>
+                        <p:cond delay="indefinite"/>
+                      </p:stCondLst>
+                      <p:childTnLst>
+                        <p:par>
+                          <p:cTn id="18" fill="hold">
+                            <p:stCondLst>
+                              <p:cond delay="0"/>
+                            </p:stCondLst>
+                            <p:childTnLst>
+                              <p:par>
+                                <p:cTn id="19" presetID="1" presetClass="entr" presetSubtype="0" fill="hold" grpId="0" nodeType="clickEffect">
+                                  <p:stCondLst>
+                                    <p:cond delay="0"/>
+                                  </p:stCondLst>
+                                  <p:childTnLst>
+                                    <p:set>
+                                      <p:cBhvr>
+                                        <p:cTn id="20" dur="1" fill="hold">
+                                          <p:stCondLst>
+                                            <p:cond delay="0"/>
+                                          </p:stCondLst>
+                                        </p:cTn>
+                                        <p:tgtEl>
+                                          <p:spTgt spid="3">
+                                            <p:txEl>
+                                              <p:pRg st="4" end="4"/>
+                                            </p:txEl>
+                                          </p:spTgt>
+                                        </p:tgtEl>
+                                        <p:attrNameLst>
+                                          <p:attrName>style.visibility</p:attrName>
+                                        </p:attrNameLst>
+                                      </p:cBhvr>
+                                      <p:to>
+                                        <p:strVal val="visible"/>
+                                      </p:to>
+                                    </p:set>
+                                  </p:childTnLst>
+                                </p:cTn>
+                              </p:par>
+                              <p:par>
+                                <p:cTn id="21" presetID="1" presetClass="entr" presetSubtype="0" fill="hold" grpId="0" nodeType="withEffect">
+                                  <p:stCondLst>
+                                    <p:cond delay="0"/>
+                                  </p:stCondLst>
+                                  <p:childTnLst>
+                                    <p:set>
+                                      <p:cBhvr>
+                                        <p:cTn id="22" dur="1" fill="hold">
+                                          <p:stCondLst>
+                                            <p:cond delay="0"/>
+                                          </p:stCondLst>
+                                        </p:cTn>
+                                        <p:tgtEl>
+                                          <p:spTgt spid="3">
+                                            <p:txEl>
+                                              <p:pRg st="5" end="5"/>
+                                            </p:txEl>
+                                          </p:spTgt>
+                                        </p:tgtEl>
+                                        <p:attrNameLst>
+                                          <p:attrName>style.visibility</p:attrName>
+                                        </p:attrNameLst>
+                                      </p:cBhvr>
+                                      <p:to>
+                                        <p:strVal val="visible"/>
+                                      </p:to>
+                                    </p:set>
+                                  </p:childTnLst>
+                                </p:cTn>
+                              </p:par>
+                            </p:childTnLst>
+                          </p:cTn>
+                        </p:par>
+                      </p:childTnLst>
+                    </p:cTn>
+                  </p:par>
+                  <p:par>
+                    <p:cTn id="23" fill="hold">
+                      <p:stCondLst>
+                        <p:cond delay="indefinite"/>
+                      </p:stCondLst>
+                      <p:childTnLst>
+                        <p:par>
+                          <p:cTn id="24" fill="hold">
+                            <p:stCondLst>
+                              <p:cond delay="0"/>
+                            </p:stCondLst>
+                            <p:childTnLst>
+                              <p:par>
+                                <p:cTn id="25" presetID="1" presetClass="entr" presetSubtype="0" fill="hold" grpId="0" nodeType="clickEffect">
+                                  <p:stCondLst>
+                                    <p:cond delay="0"/>
+                                  </p:stCondLst>
+                                  <p:childTnLst>
+                                    <p:set>
+                                      <p:cBhvr>
+                                        <p:cTn id="26" dur="1" fill="hold">
+                                          <p:stCondLst>
+                                            <p:cond delay="0"/>
+                                          </p:stCondLst>
+                                        </p:cTn>
+                                        <p:tgtEl>
+                                          <p:spTgt spid="3">
+                                            <p:txEl>
+                                              <p:pRg st="6" end="6"/>
+                                            </p:txEl>
+                                          </p:spTgt>
+                                        </p:tgtEl>
+                                        <p:attrNameLst>
+                                          <p:attrName>style.visibility</p:attrName>
+                                        </p:attrNameLst>
+                                      </p:cBhvr>
+                                      <p:to>
+                                        <p:strVal val="visible"/>
+                                      </p:to>
+                                    </p:set>
+                                  </p:childTnLst>
+                                </p:cTn>
+                              </p:par>
+                            </p:childTnLst>
+                          </p:cTn>
+                        </p:par>
+                      </p:childTnLst>
+                    </p:cTn>
+                  </p:par>
+                  <p:par>
+                    <p:cTn id="27" fill="hold">
+                      <p:stCondLst>
+                        <p:cond delay="indefinite"/>
+                      </p:stCondLst>
+                      <p:childTnLst>
+                        <p:par>
+                          <p:cTn id="28" fill="hold">
+                            <p:stCondLst>
+                              <p:cond delay="0"/>
+                            </p:stCondLst>
+                            <p:childTnLst>
+                              <p:par>
+                                <p:cTn id="29" presetID="1" presetClass="entr" presetSubtype="0" fill="hold" grpId="0" nodeType="clickEffect">
+                                  <p:stCondLst>
+                                    <p:cond delay="0"/>
+                                  </p:stCondLst>
+                                  <p:childTnLst>
+                                    <p:set>
+                                      <p:cBhvr>
+                                        <p:cTn id="30" dur="1" fill="hold">
+                                          <p:stCondLst>
+                                            <p:cond delay="0"/>
+                                          </p:stCondLst>
+                                        </p:cTn>
+                                        <p:tgtEl>
+                                          <p:spTgt spid="3">
+                                            <p:txEl>
+                                              <p:pRg st="7" end="7"/>
+                                            </p:txEl>
+                                          </p:spTgt>
+                                        </p:tgtEl>
+                                        <p:attrNameLst>
+                                          <p:attrName>style.visibility</p:attrName>
+                                        </p:attrNameLst>
+                                      </p:cBhvr>
+                                      <p:to>
+                                        <p:strVal val="visible"/>
+                                      </p:to>
+                                    </p:set>
+                                  </p:childTnLst>
+                                </p:cTn>
+                              </p:par>
+                              <p:par>
+                                <p:cTn id="31" presetID="1" presetClass="entr" presetSubtype="0" fill="hold" grpId="0" nodeType="withEffect">
+                                  <p:stCondLst>
+                                    <p:cond delay="0"/>
+                                  </p:stCondLst>
+                                  <p:childTnLst>
+                                    <p:set>
+                                      <p:cBhvr>
+                                        <p:cTn id="32" dur="1" fill="hold">
+                                          <p:stCondLst>
+                                            <p:cond delay="0"/>
+                                          </p:stCondLst>
+                                        </p:cTn>
+                                        <p:tgtEl>
+                                          <p:spTgt spid="3">
+                                            <p:txEl>
+                                              <p:pRg st="8" end="8"/>
                                             </p:txEl>
                                           </p:spTgt>
                                         </p:tgtEl>
@@ -4385,7 +5839,7 @@
 </p:sld>
 </file>
 
-<file path=ppt/slides/slide4.xml><?xml version="1.0" encoding="utf-8"?>
+<file path=ppt/slides/slide6.xml><?xml version="1.0" encoding="utf-8"?>
 <p:sld xmlns:a="http://schemas.openxmlformats.org/drawingml/2006/main" xmlns:r="http://schemas.openxmlformats.org/officeDocument/2006/relationships" xmlns:p="http://schemas.openxmlformats.org/presentationml/2006/main">
   <p:cSld>
     <p:spTree>
@@ -4407,7 +5861,7 @@
           <p:cNvPr id="2" name="Title 1">
             <a:extLst>
               <a:ext uri="{FF2B5EF4-FFF2-40B4-BE49-F238E27FC236}">
-                <a16:creationId xmlns:a16="http://schemas.microsoft.com/office/drawing/2014/main" id="{93ED872A-D807-4679-9DD9-58E123B52518}"/>
+                <a16:creationId xmlns:a16="http://schemas.microsoft.com/office/drawing/2014/main" id="{623E12C8-E773-41FA-8562-4BE6DF1D58BD}"/>
               </a:ext>
             </a:extLst>
           </p:cNvPr>
@@ -4425,7 +5879,7 @@
           <a:p>
             <a:r>
               <a:rPr lang="en-US" dirty="0"/>
-              <a:t>IT Fundamentals Preparation</a:t>
+              <a:t>Golden Pogs</a:t>
             </a:r>
           </a:p>
         </p:txBody>
@@ -4435,7 +5889,7 @@
           <p:cNvPr id="3" name="Content Placeholder 2">
             <a:extLst>
               <a:ext uri="{FF2B5EF4-FFF2-40B4-BE49-F238E27FC236}">
-                <a16:creationId xmlns:a16="http://schemas.microsoft.com/office/drawing/2014/main" id="{F4884C0F-6236-419A-A5EF-1D0C8A65E321}"/>
+                <a16:creationId xmlns:a16="http://schemas.microsoft.com/office/drawing/2014/main" id="{762CB6FD-9F45-4F9C-8148-731AA6C499B2}"/>
               </a:ext>
             </a:extLst>
           </p:cNvPr>
@@ -4453,39 +5907,46 @@
           <a:p>
             <a:r>
               <a:rPr lang="en-US" dirty="0"/>
-              <a:t>This will be graded each week</a:t>
+              <a:t>Silver Pogs are rewarded to those who take advantage of opportunities in their life and participate in their community at school</a:t>
             </a:r>
           </a:p>
           <a:p>
             <a:r>
               <a:rPr lang="en-US" dirty="0"/>
-              <a:t>If you’ve already turned it in, you get a free grade</a:t>
+              <a:t>Silver Pogs are then traded for a Gold Pog</a:t>
             </a:r>
           </a:p>
           <a:p>
             <a:r>
               <a:rPr lang="en-US" dirty="0"/>
-              <a:t>Think of it as one large grade split into smaller chunks, and you lose points for taking longer to complete it.</a:t>
-            </a:r>
-          </a:p>
-          <a:p>
+              <a:t>A Gold Pog entitles you (assuming your behavior continues) to additional career help from me, such as good references</a:t>
+            </a:r>
+          </a:p>
+          <a:p>
+            <a:pPr lvl="1"/>
             <a:r>
               <a:rPr lang="en-US" dirty="0"/>
-              <a:t>If it is not complete:</a:t>
+              <a:t>You’ve proven that you will not ruin my reputation by earning the Silver Pogs</a:t>
+            </a:r>
+          </a:p>
+          <a:p>
+            <a:r>
+              <a:rPr lang="en-US" dirty="0"/>
+              <a:t>Gold Pog recipients can continue to earn additional Gold Pogs after graduation</a:t>
             </a:r>
           </a:p>
           <a:p>
             <a:pPr lvl="1"/>
             <a:r>
               <a:rPr lang="en-US" dirty="0"/>
-              <a:t>It’s homework. DO IT AT HOME.</a:t>
+              <a:t>Each year you participate in OAC, presentations, and school events</a:t>
             </a:r>
           </a:p>
           <a:p>
             <a:pPr lvl="1"/>
             <a:r>
               <a:rPr lang="en-US" dirty="0"/>
-              <a:t>If you do it in class, you are wasting your team’s time</a:t>
+              <a:t>Each school year your company survives after you graduate</a:t>
             </a:r>
           </a:p>
         </p:txBody>
@@ -4493,96 +5954,335 @@
     </p:spTree>
     <p:extLst>
       <p:ext uri="{BB962C8B-B14F-4D97-AF65-F5344CB8AC3E}">
-        <p14:creationId xmlns:p14="http://schemas.microsoft.com/office/powerpoint/2010/main" val="1094996474"/>
+        <p14:creationId xmlns:p14="http://schemas.microsoft.com/office/powerpoint/2010/main" val="1178522657"/>
       </p:ext>
     </p:extLst>
   </p:cSld>
   <p:clrMapOvr>
     <a:masterClrMapping/>
   </p:clrMapOvr>
-</p:sld>
-</file>
-
-<file path=ppt/slides/slide5.xml><?xml version="1.0" encoding="utf-8"?>
-<p:sld xmlns:a="http://schemas.openxmlformats.org/drawingml/2006/main" xmlns:r="http://schemas.openxmlformats.org/officeDocument/2006/relationships" xmlns:p="http://schemas.openxmlformats.org/presentationml/2006/main">
-  <p:cSld>
-    <p:spTree>
-      <p:nvGrpSpPr>
-        <p:cNvPr id="1" name=""/>
-        <p:cNvGrpSpPr/>
-        <p:nvPr/>
-      </p:nvGrpSpPr>
-      <p:grpSpPr>
-        <a:xfrm>
-          <a:off x="0" y="0"/>
-          <a:ext cx="0" cy="0"/>
-          <a:chOff x="0" y="0"/>
-          <a:chExt cx="0" cy="0"/>
-        </a:xfrm>
-      </p:grpSpPr>
-      <p:sp>
-        <p:nvSpPr>
-          <p:cNvPr id="2" name="Title 1">
-            <a:extLst>
-              <a:ext uri="{FF2B5EF4-FFF2-40B4-BE49-F238E27FC236}">
-                <a16:creationId xmlns:a16="http://schemas.microsoft.com/office/drawing/2014/main" id="{5A108405-BB36-4887-87F3-378D079E31D7}"/>
-              </a:ext>
-            </a:extLst>
-          </p:cNvPr>
-          <p:cNvSpPr>
-            <a:spLocks noGrp="1"/>
-          </p:cNvSpPr>
-          <p:nvPr>
-            <p:ph type="title"/>
-          </p:nvPr>
-        </p:nvSpPr>
-        <p:spPr/>
-        <p:txBody>
-          <a:bodyPr/>
-          <a:lstStyle/>
-          <a:p>
-            <a:r>
-              <a:rPr lang="en-US"/>
-              <a:t>Chair Auction</a:t>
-            </a:r>
-          </a:p>
-        </p:txBody>
-      </p:sp>
-      <p:sp>
-        <p:nvSpPr>
-          <p:cNvPr id="3" name="Content Placeholder 2">
-            <a:extLst>
-              <a:ext uri="{FF2B5EF4-FFF2-40B4-BE49-F238E27FC236}">
-                <a16:creationId xmlns:a16="http://schemas.microsoft.com/office/drawing/2014/main" id="{3B1BE28A-B41C-4868-9FEC-784B1F956FF2}"/>
-              </a:ext>
-            </a:extLst>
-          </p:cNvPr>
-          <p:cNvSpPr>
-            <a:spLocks noGrp="1"/>
-          </p:cNvSpPr>
-          <p:nvPr>
-            <p:ph idx="1"/>
-          </p:nvPr>
-        </p:nvSpPr>
-        <p:spPr/>
-        <p:txBody>
-          <a:bodyPr/>
-          <a:lstStyle/>
-          <a:p>
-            <a:endParaRPr lang="en-US"/>
-          </a:p>
-        </p:txBody>
-      </p:sp>
-    </p:spTree>
-    <p:extLst>
-      <p:ext uri="{BB962C8B-B14F-4D97-AF65-F5344CB8AC3E}">
-        <p14:creationId xmlns:p14="http://schemas.microsoft.com/office/powerpoint/2010/main" val="1274540905"/>
-      </p:ext>
-    </p:extLst>
-  </p:cSld>
-  <p:clrMapOvr>
-    <a:masterClrMapping/>
-  </p:clrMapOvr>
+  <p:timing>
+    <p:tnLst>
+      <p:par>
+        <p:cTn id="1" dur="indefinite" restart="never" nodeType="tmRoot">
+          <p:childTnLst>
+            <p:seq concurrent="1" nextAc="seek">
+              <p:cTn id="2" dur="indefinite" nodeType="mainSeq">
+                <p:childTnLst>
+                  <p:par>
+                    <p:cTn id="3" fill="hold">
+                      <p:stCondLst>
+                        <p:cond delay="indefinite"/>
+                      </p:stCondLst>
+                      <p:childTnLst>
+                        <p:par>
+                          <p:cTn id="4" fill="hold">
+                            <p:stCondLst>
+                              <p:cond delay="0"/>
+                            </p:stCondLst>
+                            <p:childTnLst>
+                              <p:par>
+                                <p:cTn id="5" presetID="1" presetClass="entr" presetSubtype="0" fill="hold" grpId="0" nodeType="clickEffect">
+                                  <p:stCondLst>
+                                    <p:cond delay="0"/>
+                                  </p:stCondLst>
+                                  <p:childTnLst>
+                                    <p:set>
+                                      <p:cBhvr>
+                                        <p:cTn id="6" dur="1" fill="hold">
+                                          <p:stCondLst>
+                                            <p:cond delay="0"/>
+                                          </p:stCondLst>
+                                        </p:cTn>
+                                        <p:tgtEl>
+                                          <p:spTgt spid="3">
+                                            <p:txEl>
+                                              <p:pRg st="0" end="0"/>
+                                            </p:txEl>
+                                          </p:spTgt>
+                                        </p:tgtEl>
+                                        <p:attrNameLst>
+                                          <p:attrName>style.visibility</p:attrName>
+                                        </p:attrNameLst>
+                                      </p:cBhvr>
+                                      <p:to>
+                                        <p:strVal val="visible"/>
+                                      </p:to>
+                                    </p:set>
+                                  </p:childTnLst>
+                                </p:cTn>
+                              </p:par>
+                            </p:childTnLst>
+                          </p:cTn>
+                        </p:par>
+                      </p:childTnLst>
+                    </p:cTn>
+                  </p:par>
+                  <p:par>
+                    <p:cTn id="7" fill="hold">
+                      <p:stCondLst>
+                        <p:cond delay="indefinite"/>
+                      </p:stCondLst>
+                      <p:childTnLst>
+                        <p:par>
+                          <p:cTn id="8" fill="hold">
+                            <p:stCondLst>
+                              <p:cond delay="0"/>
+                            </p:stCondLst>
+                            <p:childTnLst>
+                              <p:par>
+                                <p:cTn id="9" presetID="1" presetClass="entr" presetSubtype="0" fill="hold" grpId="0" nodeType="clickEffect">
+                                  <p:stCondLst>
+                                    <p:cond delay="0"/>
+                                  </p:stCondLst>
+                                  <p:childTnLst>
+                                    <p:set>
+                                      <p:cBhvr>
+                                        <p:cTn id="10" dur="1" fill="hold">
+                                          <p:stCondLst>
+                                            <p:cond delay="0"/>
+                                          </p:stCondLst>
+                                        </p:cTn>
+                                        <p:tgtEl>
+                                          <p:spTgt spid="3">
+                                            <p:txEl>
+                                              <p:pRg st="1" end="1"/>
+                                            </p:txEl>
+                                          </p:spTgt>
+                                        </p:tgtEl>
+                                        <p:attrNameLst>
+                                          <p:attrName>style.visibility</p:attrName>
+                                        </p:attrNameLst>
+                                      </p:cBhvr>
+                                      <p:to>
+                                        <p:strVal val="visible"/>
+                                      </p:to>
+                                    </p:set>
+                                  </p:childTnLst>
+                                </p:cTn>
+                              </p:par>
+                            </p:childTnLst>
+                          </p:cTn>
+                        </p:par>
+                      </p:childTnLst>
+                    </p:cTn>
+                  </p:par>
+                  <p:par>
+                    <p:cTn id="11" fill="hold">
+                      <p:stCondLst>
+                        <p:cond delay="indefinite"/>
+                      </p:stCondLst>
+                      <p:childTnLst>
+                        <p:par>
+                          <p:cTn id="12" fill="hold">
+                            <p:stCondLst>
+                              <p:cond delay="0"/>
+                            </p:stCondLst>
+                            <p:childTnLst>
+                              <p:par>
+                                <p:cTn id="13" presetID="1" presetClass="entr" presetSubtype="0" fill="hold" grpId="0" nodeType="clickEffect">
+                                  <p:stCondLst>
+                                    <p:cond delay="0"/>
+                                  </p:stCondLst>
+                                  <p:childTnLst>
+                                    <p:set>
+                                      <p:cBhvr>
+                                        <p:cTn id="14" dur="1" fill="hold">
+                                          <p:stCondLst>
+                                            <p:cond delay="0"/>
+                                          </p:stCondLst>
+                                        </p:cTn>
+                                        <p:tgtEl>
+                                          <p:spTgt spid="3">
+                                            <p:txEl>
+                                              <p:pRg st="2" end="2"/>
+                                            </p:txEl>
+                                          </p:spTgt>
+                                        </p:tgtEl>
+                                        <p:attrNameLst>
+                                          <p:attrName>style.visibility</p:attrName>
+                                        </p:attrNameLst>
+                                      </p:cBhvr>
+                                      <p:to>
+                                        <p:strVal val="visible"/>
+                                      </p:to>
+                                    </p:set>
+                                  </p:childTnLst>
+                                </p:cTn>
+                              </p:par>
+                              <p:par>
+                                <p:cTn id="15" presetID="1" presetClass="entr" presetSubtype="0" fill="hold" grpId="0" nodeType="withEffect">
+                                  <p:stCondLst>
+                                    <p:cond delay="0"/>
+                                  </p:stCondLst>
+                                  <p:childTnLst>
+                                    <p:set>
+                                      <p:cBhvr>
+                                        <p:cTn id="16" dur="1" fill="hold">
+                                          <p:stCondLst>
+                                            <p:cond delay="0"/>
+                                          </p:stCondLst>
+                                        </p:cTn>
+                                        <p:tgtEl>
+                                          <p:spTgt spid="3">
+                                            <p:txEl>
+                                              <p:pRg st="3" end="3"/>
+                                            </p:txEl>
+                                          </p:spTgt>
+                                        </p:tgtEl>
+                                        <p:attrNameLst>
+                                          <p:attrName>style.visibility</p:attrName>
+                                        </p:attrNameLst>
+                                      </p:cBhvr>
+                                      <p:to>
+                                        <p:strVal val="visible"/>
+                                      </p:to>
+                                    </p:set>
+                                  </p:childTnLst>
+                                </p:cTn>
+                              </p:par>
+                            </p:childTnLst>
+                          </p:cTn>
+                        </p:par>
+                      </p:childTnLst>
+                    </p:cTn>
+                  </p:par>
+                  <p:par>
+                    <p:cTn id="17" fill="hold">
+                      <p:stCondLst>
+                        <p:cond delay="indefinite"/>
+                      </p:stCondLst>
+                      <p:childTnLst>
+                        <p:par>
+                          <p:cTn id="18" fill="hold">
+                            <p:stCondLst>
+                              <p:cond delay="0"/>
+                            </p:stCondLst>
+                            <p:childTnLst>
+                              <p:par>
+                                <p:cTn id="19" presetID="1" presetClass="entr" presetSubtype="0" fill="hold" grpId="0" nodeType="clickEffect">
+                                  <p:stCondLst>
+                                    <p:cond delay="0"/>
+                                  </p:stCondLst>
+                                  <p:childTnLst>
+                                    <p:set>
+                                      <p:cBhvr>
+                                        <p:cTn id="20" dur="1" fill="hold">
+                                          <p:stCondLst>
+                                            <p:cond delay="0"/>
+                                          </p:stCondLst>
+                                        </p:cTn>
+                                        <p:tgtEl>
+                                          <p:spTgt spid="3">
+                                            <p:txEl>
+                                              <p:pRg st="4" end="4"/>
+                                            </p:txEl>
+                                          </p:spTgt>
+                                        </p:tgtEl>
+                                        <p:attrNameLst>
+                                          <p:attrName>style.visibility</p:attrName>
+                                        </p:attrNameLst>
+                                      </p:cBhvr>
+                                      <p:to>
+                                        <p:strVal val="visible"/>
+                                      </p:to>
+                                    </p:set>
+                                  </p:childTnLst>
+                                </p:cTn>
+                              </p:par>
+                              <p:par>
+                                <p:cTn id="21" presetID="1" presetClass="entr" presetSubtype="0" fill="hold" grpId="0" nodeType="withEffect">
+                                  <p:stCondLst>
+                                    <p:cond delay="0"/>
+                                  </p:stCondLst>
+                                  <p:childTnLst>
+                                    <p:set>
+                                      <p:cBhvr>
+                                        <p:cTn id="22" dur="1" fill="hold">
+                                          <p:stCondLst>
+                                            <p:cond delay="0"/>
+                                          </p:stCondLst>
+                                        </p:cTn>
+                                        <p:tgtEl>
+                                          <p:spTgt spid="3">
+                                            <p:txEl>
+                                              <p:pRg st="5" end="5"/>
+                                            </p:txEl>
+                                          </p:spTgt>
+                                        </p:tgtEl>
+                                        <p:attrNameLst>
+                                          <p:attrName>style.visibility</p:attrName>
+                                        </p:attrNameLst>
+                                      </p:cBhvr>
+                                      <p:to>
+                                        <p:strVal val="visible"/>
+                                      </p:to>
+                                    </p:set>
+                                  </p:childTnLst>
+                                </p:cTn>
+                              </p:par>
+                              <p:par>
+                                <p:cTn id="23" presetID="1" presetClass="entr" presetSubtype="0" fill="hold" grpId="0" nodeType="withEffect">
+                                  <p:stCondLst>
+                                    <p:cond delay="0"/>
+                                  </p:stCondLst>
+                                  <p:childTnLst>
+                                    <p:set>
+                                      <p:cBhvr>
+                                        <p:cTn id="24" dur="1" fill="hold">
+                                          <p:stCondLst>
+                                            <p:cond delay="0"/>
+                                          </p:stCondLst>
+                                        </p:cTn>
+                                        <p:tgtEl>
+                                          <p:spTgt spid="3">
+                                            <p:txEl>
+                                              <p:pRg st="6" end="6"/>
+                                            </p:txEl>
+                                          </p:spTgt>
+                                        </p:tgtEl>
+                                        <p:attrNameLst>
+                                          <p:attrName>style.visibility</p:attrName>
+                                        </p:attrNameLst>
+                                      </p:cBhvr>
+                                      <p:to>
+                                        <p:strVal val="visible"/>
+                                      </p:to>
+                                    </p:set>
+                                  </p:childTnLst>
+                                </p:cTn>
+                              </p:par>
+                            </p:childTnLst>
+                          </p:cTn>
+                        </p:par>
+                      </p:childTnLst>
+                    </p:cTn>
+                  </p:par>
+                </p:childTnLst>
+              </p:cTn>
+              <p:prevCondLst>
+                <p:cond evt="onPrev" delay="0">
+                  <p:tgtEl>
+                    <p:sldTgt/>
+                  </p:tgtEl>
+                </p:cond>
+              </p:prevCondLst>
+              <p:nextCondLst>
+                <p:cond evt="onNext" delay="0">
+                  <p:tgtEl>
+                    <p:sldTgt/>
+                  </p:tgtEl>
+                </p:cond>
+              </p:nextCondLst>
+            </p:seq>
+          </p:childTnLst>
+        </p:cTn>
+      </p:par>
+    </p:tnLst>
+    <p:bldLst>
+      <p:bldP spid="3" grpId="0" build="p"/>
+    </p:bldLst>
+  </p:timing>
 </p:sld>
 </file>
 
